--- a/intro-copilot-excel-stringfest.pptx
+++ b/intro-copilot-excel-stringfest.pptx
@@ -5,7 +5,7 @@
     <p:sldMasterId id="2147483648" r:id="rId1"/>
   </p:sldMasterIdLst>
   <p:notesMasterIdLst>
-    <p:notesMasterId r:id="rId11"/>
+    <p:notesMasterId r:id="rId14"/>
   </p:notesMasterIdLst>
   <p:sldIdLst>
     <p:sldId id="256" r:id="rId2"/>
@@ -13,20 +13,23 @@
     <p:sldId id="426" r:id="rId4"/>
     <p:sldId id="435" r:id="rId5"/>
     <p:sldId id="407" r:id="rId6"/>
-    <p:sldId id="428" r:id="rId7"/>
-    <p:sldId id="434" r:id="rId8"/>
-    <p:sldId id="415" r:id="rId9"/>
-    <p:sldId id="427" r:id="rId10"/>
+    <p:sldId id="436" r:id="rId7"/>
+    <p:sldId id="428" r:id="rId8"/>
+    <p:sldId id="437" r:id="rId9"/>
+    <p:sldId id="438" r:id="rId10"/>
+    <p:sldId id="434" r:id="rId11"/>
+    <p:sldId id="415" r:id="rId12"/>
+    <p:sldId id="427" r:id="rId13"/>
   </p:sldIdLst>
   <p:sldSz cx="18288000" cy="10287000"/>
   <p:notesSz cx="6858000" cy="9144000"/>
   <p:embeddedFontLst>
     <p:embeddedFont>
       <p:font typeface="Consolas" panose="020B0609020204030204" pitchFamily="49" charset="0"/>
-      <p:regular r:id="rId12"/>
-      <p:bold r:id="rId13"/>
-      <p:italic r:id="rId14"/>
-      <p:boldItalic r:id="rId15"/>
+      <p:regular r:id="rId15"/>
+      <p:bold r:id="rId16"/>
+      <p:italic r:id="rId17"/>
+      <p:boldItalic r:id="rId18"/>
     </p:embeddedFont>
   </p:embeddedFontLst>
   <p:defaultTextStyle>
@@ -164,6 +167,7 @@
 <file path=ppt/revisionInfo.xml><?xml version="1.0" encoding="utf-8"?>
 <p1510:revInfo xmlns:a="http://schemas.openxmlformats.org/drawingml/2006/main" xmlns:r="http://schemas.openxmlformats.org/officeDocument/2006/relationships" xmlns:p1510="http://schemas.microsoft.com/office/powerpoint/2015/10/main">
   <p1510:revLst>
+    <p1510:client id="{B9AAF373-D1B0-4A97-A0E0-A04444806046}" v="9" dt="2025-09-28T05:16:04.468"/>
     <p1510:client id="{BD76E549-B0AB-480E-A828-E2AB1B64AC10}" v="3" dt="2025-09-28T05:06:38.921"/>
   </p1510:revLst>
 </p1510:revInfo>
@@ -173,8 +177,8 @@
 <pc:chgInfo xmlns:a="http://schemas.openxmlformats.org/drawingml/2006/main" xmlns:r="http://schemas.openxmlformats.org/officeDocument/2006/relationships" xmlns:ac="http://schemas.microsoft.com/office/drawing/2013/main/command" xmlns:pc="http://schemas.microsoft.com/office/powerpoint/2013/main/command">
   <pc:docChgLst>
     <pc:chgData name="George Mount" userId="57d2ab2a84d54c81" providerId="LiveId" clId="{F0CB5FCE-7CF8-4FA6-9065-772A4CECA37B}"/>
-    <pc:docChg chg="addSld modSld">
-      <pc:chgData name="George Mount" userId="57d2ab2a84d54c81" providerId="LiveId" clId="{F0CB5FCE-7CF8-4FA6-9065-772A4CECA37B}" dt="2025-09-28T05:06:56.999" v="111" actId="20577"/>
+    <pc:docChg chg="undo custSel addSld modSld">
+      <pc:chgData name="George Mount" userId="57d2ab2a84d54c81" providerId="LiveId" clId="{F0CB5FCE-7CF8-4FA6-9065-772A4CECA37B}" dt="2025-09-28T05:16:49.333" v="344" actId="20577"/>
       <pc:docMkLst>
         <pc:docMk/>
       </pc:docMkLst>
@@ -190,6 +194,21 @@
             <pc:docMk/>
             <pc:sldMk cId="355659117" sldId="256"/>
             <ac:spMk id="11" creationId="{00000000-0000-0000-0000-000000000000}"/>
+          </ac:spMkLst>
+        </pc:spChg>
+      </pc:sldChg>
+      <pc:sldChg chg="modSp mod">
+        <pc:chgData name="George Mount" userId="57d2ab2a84d54c81" providerId="LiveId" clId="{F0CB5FCE-7CF8-4FA6-9065-772A4CECA37B}" dt="2025-09-28T05:11:32.637" v="145" actId="2711"/>
+        <pc:sldMkLst>
+          <pc:docMk/>
+          <pc:sldMk cId="3871531779" sldId="407"/>
+        </pc:sldMkLst>
+        <pc:spChg chg="mod">
+          <ac:chgData name="George Mount" userId="57d2ab2a84d54c81" providerId="LiveId" clId="{F0CB5FCE-7CF8-4FA6-9065-772A4CECA37B}" dt="2025-09-28T05:11:32.637" v="145" actId="2711"/>
+          <ac:spMkLst>
+            <pc:docMk/>
+            <pc:sldMk cId="3871531779" sldId="407"/>
+            <ac:spMk id="3" creationId="{00000000-0000-0000-0000-000000000000}"/>
           </ac:spMkLst>
         </pc:spChg>
       </pc:sldChg>
@@ -223,14 +242,52 @@
           </ac:spMkLst>
         </pc:spChg>
       </pc:sldChg>
+      <pc:sldChg chg="modSp mod">
+        <pc:chgData name="George Mount" userId="57d2ab2a84d54c81" providerId="LiveId" clId="{F0CB5FCE-7CF8-4FA6-9065-772A4CECA37B}" dt="2025-09-28T05:13:03.150" v="227" actId="2710"/>
+        <pc:sldMkLst>
+          <pc:docMk/>
+          <pc:sldMk cId="1679221718" sldId="428"/>
+        </pc:sldMkLst>
+        <pc:spChg chg="mod">
+          <ac:chgData name="George Mount" userId="57d2ab2a84d54c81" providerId="LiveId" clId="{F0CB5FCE-7CF8-4FA6-9065-772A4CECA37B}" dt="2025-09-28T05:13:03.150" v="227" actId="2710"/>
+          <ac:spMkLst>
+            <pc:docMk/>
+            <pc:sldMk cId="1679221718" sldId="428"/>
+            <ac:spMk id="3" creationId="{00000000-0000-0000-0000-000000000000}"/>
+          </ac:spMkLst>
+        </pc:spChg>
+      </pc:sldChg>
+      <pc:sldChg chg="modSp mod">
+        <pc:chgData name="George Mount" userId="57d2ab2a84d54c81" providerId="LiveId" clId="{F0CB5FCE-7CF8-4FA6-9065-772A4CECA37B}" dt="2025-09-28T05:16:49.333" v="344" actId="20577"/>
+        <pc:sldMkLst>
+          <pc:docMk/>
+          <pc:sldMk cId="445953425" sldId="434"/>
+        </pc:sldMkLst>
+        <pc:spChg chg="mod">
+          <ac:chgData name="George Mount" userId="57d2ab2a84d54c81" providerId="LiveId" clId="{F0CB5FCE-7CF8-4FA6-9065-772A4CECA37B}" dt="2025-09-28T05:16:49.333" v="344" actId="20577"/>
+          <ac:spMkLst>
+            <pc:docMk/>
+            <pc:sldMk cId="445953425" sldId="434"/>
+            <ac:spMk id="3" creationId="{E1343823-9545-2632-2777-4994B59C3581}"/>
+          </ac:spMkLst>
+        </pc:spChg>
+        <pc:spChg chg="mod">
+          <ac:chgData name="George Mount" userId="57d2ab2a84d54c81" providerId="LiveId" clId="{F0CB5FCE-7CF8-4FA6-9065-772A4CECA37B}" dt="2025-09-28T05:14:48.078" v="295" actId="14100"/>
+          <ac:spMkLst>
+            <pc:docMk/>
+            <pc:sldMk cId="445953425" sldId="434"/>
+            <ac:spMk id="4" creationId="{4B8E3D40-A823-8428-6682-B724027EAF41}"/>
+          </ac:spMkLst>
+        </pc:spChg>
+      </pc:sldChg>
       <pc:sldChg chg="modSp add mod">
-        <pc:chgData name="George Mount" userId="57d2ab2a84d54c81" providerId="LiveId" clId="{F0CB5FCE-7CF8-4FA6-9065-772A4CECA37B}" dt="2025-09-28T05:06:56.999" v="111" actId="20577"/>
+        <pc:chgData name="George Mount" userId="57d2ab2a84d54c81" providerId="LiveId" clId="{F0CB5FCE-7CF8-4FA6-9065-772A4CECA37B}" dt="2025-09-28T05:10:38.206" v="115" actId="207"/>
         <pc:sldMkLst>
           <pc:docMk/>
           <pc:sldMk cId="3038133267" sldId="435"/>
         </pc:sldMkLst>
         <pc:spChg chg="mod">
-          <ac:chgData name="George Mount" userId="57d2ab2a84d54c81" providerId="LiveId" clId="{F0CB5FCE-7CF8-4FA6-9065-772A4CECA37B}" dt="2025-09-28T05:06:56.999" v="111" actId="20577"/>
+          <ac:chgData name="George Mount" userId="57d2ab2a84d54c81" providerId="LiveId" clId="{F0CB5FCE-7CF8-4FA6-9065-772A4CECA37B}" dt="2025-09-28T05:10:38.206" v="115" actId="207"/>
           <ac:spMkLst>
             <pc:docMk/>
             <pc:sldMk cId="3038133267" sldId="435"/>
@@ -243,6 +300,51 @@
             <pc:docMk/>
             <pc:sldMk cId="3038133267" sldId="435"/>
             <ac:spMk id="11" creationId="{B667EDC3-57CA-19BB-3FA5-8CDA0421A675}"/>
+          </ac:spMkLst>
+        </pc:spChg>
+      </pc:sldChg>
+      <pc:sldChg chg="modSp add mod">
+        <pc:chgData name="George Mount" userId="57d2ab2a84d54c81" providerId="LiveId" clId="{F0CB5FCE-7CF8-4FA6-9065-772A4CECA37B}" dt="2025-09-28T05:11:50.597" v="163"/>
+        <pc:sldMkLst>
+          <pc:docMk/>
+          <pc:sldMk cId="3851651886" sldId="436"/>
+        </pc:sldMkLst>
+        <pc:spChg chg="mod">
+          <ac:chgData name="George Mount" userId="57d2ab2a84d54c81" providerId="LiveId" clId="{F0CB5FCE-7CF8-4FA6-9065-772A4CECA37B}" dt="2025-09-28T05:11:50.597" v="163"/>
+          <ac:spMkLst>
+            <pc:docMk/>
+            <pc:sldMk cId="3851651886" sldId="436"/>
+            <ac:spMk id="3" creationId="{20F3CCF9-8ACB-EE81-041E-B397064E8CA9}"/>
+          </ac:spMkLst>
+        </pc:spChg>
+      </pc:sldChg>
+      <pc:sldChg chg="add">
+        <pc:chgData name="George Mount" userId="57d2ab2a84d54c81" providerId="LiveId" clId="{F0CB5FCE-7CF8-4FA6-9065-772A4CECA37B}" dt="2025-09-28T05:13:11.685" v="228"/>
+        <pc:sldMkLst>
+          <pc:docMk/>
+          <pc:sldMk cId="102599544" sldId="437"/>
+        </pc:sldMkLst>
+      </pc:sldChg>
+      <pc:sldChg chg="modSp add mod">
+        <pc:chgData name="George Mount" userId="57d2ab2a84d54c81" providerId="LiveId" clId="{F0CB5FCE-7CF8-4FA6-9065-772A4CECA37B}" dt="2025-09-28T05:13:36.596" v="259" actId="207"/>
+        <pc:sldMkLst>
+          <pc:docMk/>
+          <pc:sldMk cId="1981709974" sldId="438"/>
+        </pc:sldMkLst>
+        <pc:spChg chg="mod">
+          <ac:chgData name="George Mount" userId="57d2ab2a84d54c81" providerId="LiveId" clId="{F0CB5FCE-7CF8-4FA6-9065-772A4CECA37B}" dt="2025-09-28T05:13:36.596" v="259" actId="207"/>
+          <ac:spMkLst>
+            <pc:docMk/>
+            <pc:sldMk cId="1981709974" sldId="438"/>
+            <ac:spMk id="4" creationId="{45423CF5-98B9-D39E-5BE5-29763005CF0E}"/>
+          </ac:spMkLst>
+        </pc:spChg>
+        <pc:spChg chg="mod">
+          <ac:chgData name="George Mount" userId="57d2ab2a84d54c81" providerId="LiveId" clId="{F0CB5FCE-7CF8-4FA6-9065-772A4CECA37B}" dt="2025-09-28T05:13:28.300" v="258" actId="20577"/>
+          <ac:spMkLst>
+            <pc:docMk/>
+            <pc:sldMk cId="1981709974" sldId="438"/>
+            <ac:spMk id="5" creationId="{BFDB07B4-B2B4-A403-097A-58C6DCAECB1D}"/>
           </ac:spMkLst>
         </pc:spChg>
       </pc:sldChg>
@@ -713,6 +815,138 @@
   <p:cSld>
     <p:spTree>
       <p:nvGrpSpPr>
+        <p:cNvPr id="1" name="">
+          <a:extLst>
+            <a:ext uri="{FF2B5EF4-FFF2-40B4-BE49-F238E27FC236}">
+              <a16:creationId xmlns:a16="http://schemas.microsoft.com/office/drawing/2014/main" id="{F2C922E3-427F-4A31-3F84-26B04D631079}"/>
+            </a:ext>
+          </a:extLst>
+        </p:cNvPr>
+        <p:cNvGrpSpPr/>
+        <p:nvPr/>
+      </p:nvGrpSpPr>
+      <p:grpSpPr>
+        <a:xfrm>
+          <a:off x="0" y="0"/>
+          <a:ext cx="0" cy="0"/>
+          <a:chOff x="0" y="0"/>
+          <a:chExt cx="0" cy="0"/>
+        </a:xfrm>
+      </p:grpSpPr>
+      <p:sp>
+        <p:nvSpPr>
+          <p:cNvPr id="2" name="Slide Image Placeholder 1">
+            <a:extLst>
+              <a:ext uri="{FF2B5EF4-FFF2-40B4-BE49-F238E27FC236}">
+                <a16:creationId xmlns:a16="http://schemas.microsoft.com/office/drawing/2014/main" id="{4799EEFD-4A9A-EC23-D4B7-B2E01613D251}"/>
+              </a:ext>
+            </a:extLst>
+          </p:cNvPr>
+          <p:cNvSpPr>
+            <a:spLocks noGrp="1" noRot="1" noChangeAspect="1"/>
+          </p:cNvSpPr>
+          <p:nvPr>
+            <p:ph type="sldImg"/>
+          </p:nvPr>
+        </p:nvSpPr>
+        <p:spPr/>
+      </p:sp>
+      <p:sp>
+        <p:nvSpPr>
+          <p:cNvPr id="3" name="Notes Placeholder 2">
+            <a:extLst>
+              <a:ext uri="{FF2B5EF4-FFF2-40B4-BE49-F238E27FC236}">
+                <a16:creationId xmlns:a16="http://schemas.microsoft.com/office/drawing/2014/main" id="{8E721BAD-F11C-A76D-7F55-68AA91F20437}"/>
+              </a:ext>
+            </a:extLst>
+          </p:cNvPr>
+          <p:cNvSpPr>
+            <a:spLocks noGrp="1"/>
+          </p:cNvSpPr>
+          <p:nvPr>
+            <p:ph type="body" idx="1"/>
+          </p:nvPr>
+        </p:nvSpPr>
+        <p:spPr/>
+        <p:txBody>
+          <a:bodyPr/>
+          <a:lstStyle/>
+          <a:p>
+            <a:pPr marL="228600" indent="-228600">
+              <a:buAutoNum type="arabicPeriod"/>
+            </a:pPr>
+            <a:r>
+              <a:rPr lang="en-US" dirty="0"/>
+              <a:t>False!</a:t>
+            </a:r>
+          </a:p>
+          <a:p>
+            <a:pPr marL="228600" indent="-228600">
+              <a:buAutoNum type="arabicPeriod"/>
+            </a:pPr>
+            <a:r>
+              <a:rPr lang="en-US" dirty="0"/>
+              <a:t>Function, Formula, Function</a:t>
+            </a:r>
+          </a:p>
+          <a:p>
+            <a:pPr marL="228600" indent="-228600">
+              <a:buAutoNum type="arabicPeriod"/>
+            </a:pPr>
+            <a:r>
+              <a:rPr lang="en-US" dirty="0"/>
+              <a:t>Argument</a:t>
+            </a:r>
+          </a:p>
+        </p:txBody>
+      </p:sp>
+      <p:sp>
+        <p:nvSpPr>
+          <p:cNvPr id="4" name="Slide Number Placeholder 3">
+            <a:extLst>
+              <a:ext uri="{FF2B5EF4-FFF2-40B4-BE49-F238E27FC236}">
+                <a16:creationId xmlns:a16="http://schemas.microsoft.com/office/drawing/2014/main" id="{046E4232-F741-4B49-BA59-E505173E129D}"/>
+              </a:ext>
+            </a:extLst>
+          </p:cNvPr>
+          <p:cNvSpPr>
+            <a:spLocks noGrp="1"/>
+          </p:cNvSpPr>
+          <p:nvPr>
+            <p:ph type="sldNum" sz="quarter" idx="5"/>
+          </p:nvPr>
+        </p:nvSpPr>
+        <p:spPr/>
+        <p:txBody>
+          <a:bodyPr/>
+          <a:lstStyle/>
+          <a:p>
+            <a:fld id="{1300335D-9F13-4B80-ADC5-B0EA3E10FF6B}" type="slidenum">
+              <a:rPr lang="en-US" smtClean="0"/>
+              <a:t>6</a:t>
+            </a:fld>
+            <a:endParaRPr lang="en-US"/>
+          </a:p>
+        </p:txBody>
+      </p:sp>
+    </p:spTree>
+    <p:extLst>
+      <p:ext uri="{BB962C8B-B14F-4D97-AF65-F5344CB8AC3E}">
+        <p14:creationId xmlns:p14="http://schemas.microsoft.com/office/powerpoint/2010/main" val="3179225143"/>
+      </p:ext>
+    </p:extLst>
+  </p:cSld>
+  <p:clrMapOvr>
+    <a:masterClrMapping/>
+  </p:clrMapOvr>
+</p:notes>
+</file>
+
+<file path=ppt/notesSlides/notesSlide3.xml><?xml version="1.0" encoding="utf-8"?>
+<p:notes xmlns:a="http://schemas.openxmlformats.org/drawingml/2006/main" xmlns:r="http://schemas.openxmlformats.org/officeDocument/2006/relationships" xmlns:p="http://schemas.openxmlformats.org/presentationml/2006/main">
+  <p:cSld>
+    <p:spTree>
+      <p:nvGrpSpPr>
         <p:cNvPr id="1" name=""/>
         <p:cNvGrpSpPr/>
         <p:nvPr/>
@@ -797,7 +1031,7 @@
           <a:p>
             <a:fld id="{1300335D-9F13-4B80-ADC5-B0EA3E10FF6B}" type="slidenum">
               <a:rPr lang="en-US" smtClean="0"/>
-              <a:t>6</a:t>
+              <a:t>7</a:t>
             </a:fld>
             <a:endParaRPr lang="en-US"/>
           </a:p>
@@ -816,7 +1050,139 @@
 </p:notes>
 </file>
 
-<file path=ppt/notesSlides/notesSlide3.xml><?xml version="1.0" encoding="utf-8"?>
+<file path=ppt/notesSlides/notesSlide4.xml><?xml version="1.0" encoding="utf-8"?>
+<p:notes xmlns:a="http://schemas.openxmlformats.org/drawingml/2006/main" xmlns:r="http://schemas.openxmlformats.org/officeDocument/2006/relationships" xmlns:p="http://schemas.openxmlformats.org/presentationml/2006/main">
+  <p:cSld>
+    <p:spTree>
+      <p:nvGrpSpPr>
+        <p:cNvPr id="1" name="">
+          <a:extLst>
+            <a:ext uri="{FF2B5EF4-FFF2-40B4-BE49-F238E27FC236}">
+              <a16:creationId xmlns:a16="http://schemas.microsoft.com/office/drawing/2014/main" id="{3EC48AEC-F08C-848D-4203-87C8485C2607}"/>
+            </a:ext>
+          </a:extLst>
+        </p:cNvPr>
+        <p:cNvGrpSpPr/>
+        <p:nvPr/>
+      </p:nvGrpSpPr>
+      <p:grpSpPr>
+        <a:xfrm>
+          <a:off x="0" y="0"/>
+          <a:ext cx="0" cy="0"/>
+          <a:chOff x="0" y="0"/>
+          <a:chExt cx="0" cy="0"/>
+        </a:xfrm>
+      </p:grpSpPr>
+      <p:sp>
+        <p:nvSpPr>
+          <p:cNvPr id="2" name="Slide Image Placeholder 1">
+            <a:extLst>
+              <a:ext uri="{FF2B5EF4-FFF2-40B4-BE49-F238E27FC236}">
+                <a16:creationId xmlns:a16="http://schemas.microsoft.com/office/drawing/2014/main" id="{97D0D89E-B40C-2B34-8224-F8AA3190B943}"/>
+              </a:ext>
+            </a:extLst>
+          </p:cNvPr>
+          <p:cNvSpPr>
+            <a:spLocks noGrp="1" noRot="1" noChangeAspect="1"/>
+          </p:cNvSpPr>
+          <p:nvPr>
+            <p:ph type="sldImg"/>
+          </p:nvPr>
+        </p:nvSpPr>
+        <p:spPr/>
+      </p:sp>
+      <p:sp>
+        <p:nvSpPr>
+          <p:cNvPr id="3" name="Notes Placeholder 2">
+            <a:extLst>
+              <a:ext uri="{FF2B5EF4-FFF2-40B4-BE49-F238E27FC236}">
+                <a16:creationId xmlns:a16="http://schemas.microsoft.com/office/drawing/2014/main" id="{774239EA-9CE3-8430-52E6-51F60B5CA4A3}"/>
+              </a:ext>
+            </a:extLst>
+          </p:cNvPr>
+          <p:cNvSpPr>
+            <a:spLocks noGrp="1"/>
+          </p:cNvSpPr>
+          <p:nvPr>
+            <p:ph type="body" idx="1"/>
+          </p:nvPr>
+        </p:nvSpPr>
+        <p:spPr/>
+        <p:txBody>
+          <a:bodyPr/>
+          <a:lstStyle/>
+          <a:p>
+            <a:pPr marL="228600" indent="-228600">
+              <a:buAutoNum type="arabicPeriod"/>
+            </a:pPr>
+            <a:r>
+              <a:rPr lang="en-US" dirty="0"/>
+              <a:t>False!</a:t>
+            </a:r>
+          </a:p>
+          <a:p>
+            <a:pPr marL="228600" indent="-228600">
+              <a:buAutoNum type="arabicPeriod"/>
+            </a:pPr>
+            <a:r>
+              <a:rPr lang="en-US" dirty="0"/>
+              <a:t>Function, Formula, Function</a:t>
+            </a:r>
+          </a:p>
+          <a:p>
+            <a:pPr marL="228600" indent="-228600">
+              <a:buAutoNum type="arabicPeriod"/>
+            </a:pPr>
+            <a:r>
+              <a:rPr lang="en-US" dirty="0"/>
+              <a:t>Argument</a:t>
+            </a:r>
+          </a:p>
+        </p:txBody>
+      </p:sp>
+      <p:sp>
+        <p:nvSpPr>
+          <p:cNvPr id="4" name="Slide Number Placeholder 3">
+            <a:extLst>
+              <a:ext uri="{FF2B5EF4-FFF2-40B4-BE49-F238E27FC236}">
+                <a16:creationId xmlns:a16="http://schemas.microsoft.com/office/drawing/2014/main" id="{3BFB3775-1C9E-19FA-FB5E-B90D8D4C89D6}"/>
+              </a:ext>
+            </a:extLst>
+          </p:cNvPr>
+          <p:cNvSpPr>
+            <a:spLocks noGrp="1"/>
+          </p:cNvSpPr>
+          <p:nvPr>
+            <p:ph type="sldNum" sz="quarter" idx="5"/>
+          </p:nvPr>
+        </p:nvSpPr>
+        <p:spPr/>
+        <p:txBody>
+          <a:bodyPr/>
+          <a:lstStyle/>
+          <a:p>
+            <a:fld id="{1300335D-9F13-4B80-ADC5-B0EA3E10FF6B}" type="slidenum">
+              <a:rPr lang="en-US" smtClean="0"/>
+              <a:t>8</a:t>
+            </a:fld>
+            <a:endParaRPr lang="en-US"/>
+          </a:p>
+        </p:txBody>
+      </p:sp>
+    </p:spTree>
+    <p:extLst>
+      <p:ext uri="{BB962C8B-B14F-4D97-AF65-F5344CB8AC3E}">
+        <p14:creationId xmlns:p14="http://schemas.microsoft.com/office/powerpoint/2010/main" val="448026302"/>
+      </p:ext>
+    </p:extLst>
+  </p:cSld>
+  <p:clrMapOvr>
+    <a:masterClrMapping/>
+  </p:clrMapOvr>
+</p:notes>
+</file>
+
+<file path=ppt/notesSlides/notesSlide5.xml><?xml version="1.0" encoding="utf-8"?>
 <p:notes xmlns:a="http://schemas.openxmlformats.org/drawingml/2006/main" xmlns:r="http://schemas.openxmlformats.org/officeDocument/2006/relationships" xmlns:p="http://schemas.openxmlformats.org/presentationml/2006/main">
   <p:cSld>
     <p:spTree>
@@ -929,7 +1295,7 @@
           <a:p>
             <a:fld id="{1300335D-9F13-4B80-ADC5-B0EA3E10FF6B}" type="slidenum">
               <a:rPr lang="en-US" smtClean="0"/>
-              <a:t>7</a:t>
+              <a:t>10</a:t>
             </a:fld>
             <a:endParaRPr lang="en-US"/>
           </a:p>
@@ -4035,6 +4401,713 @@
 </p:sld>
 </file>
 
+<file path=ppt/slides/slide10.xml><?xml version="1.0" encoding="utf-8"?>
+<p:sld xmlns:a="http://schemas.openxmlformats.org/drawingml/2006/main" xmlns:r="http://schemas.openxmlformats.org/officeDocument/2006/relationships" xmlns:p="http://schemas.openxmlformats.org/presentationml/2006/main">
+  <p:cSld>
+    <p:spTree>
+      <p:nvGrpSpPr>
+        <p:cNvPr id="1" name="">
+          <a:extLst>
+            <a:ext uri="{FF2B5EF4-FFF2-40B4-BE49-F238E27FC236}">
+              <a16:creationId xmlns:a16="http://schemas.microsoft.com/office/drawing/2014/main" id="{FC0679BB-E487-A9E3-1278-DBD7FB7F19FE}"/>
+            </a:ext>
+          </a:extLst>
+        </p:cNvPr>
+        <p:cNvGrpSpPr/>
+        <p:nvPr/>
+      </p:nvGrpSpPr>
+      <p:grpSpPr>
+        <a:xfrm>
+          <a:off x="0" y="0"/>
+          <a:ext cx="0" cy="0"/>
+          <a:chOff x="0" y="0"/>
+          <a:chExt cx="0" cy="0"/>
+        </a:xfrm>
+      </p:grpSpPr>
+      <p:sp>
+        <p:nvSpPr>
+          <p:cNvPr id="4" name="Rectangle 3">
+            <a:extLst>
+              <a:ext uri="{FF2B5EF4-FFF2-40B4-BE49-F238E27FC236}">
+                <a16:creationId xmlns:a16="http://schemas.microsoft.com/office/drawing/2014/main" id="{4B8E3D40-A823-8428-6682-B724027EAF41}"/>
+              </a:ext>
+            </a:extLst>
+          </p:cNvPr>
+          <p:cNvSpPr/>
+          <p:nvPr/>
+        </p:nvSpPr>
+        <p:spPr>
+          <a:xfrm>
+            <a:off x="13106400" y="0"/>
+            <a:ext cx="5181600" cy="10287000"/>
+          </a:xfrm>
+          <a:prstGeom prst="rect">
+            <a:avLst/>
+          </a:prstGeom>
+          <a:solidFill>
+            <a:srgbClr val="CF3338"/>
+          </a:solidFill>
+          <a:ln>
+            <a:noFill/>
+          </a:ln>
+        </p:spPr>
+        <p:style>
+          <a:lnRef idx="2">
+            <a:schemeClr val="accent1">
+              <a:shade val="50000"/>
+            </a:schemeClr>
+          </a:lnRef>
+          <a:fillRef idx="1">
+            <a:schemeClr val="accent1"/>
+          </a:fillRef>
+          <a:effectRef idx="0">
+            <a:schemeClr val="accent1"/>
+          </a:effectRef>
+          <a:fontRef idx="minor">
+            <a:schemeClr val="lt1"/>
+          </a:fontRef>
+        </p:style>
+        <p:txBody>
+          <a:bodyPr rtlCol="0" anchor="ctr"/>
+          <a:lstStyle/>
+          <a:p>
+            <a:pPr algn="ctr"/>
+            <a:endParaRPr lang="en-US" sz="2700"/>
+          </a:p>
+        </p:txBody>
+      </p:sp>
+      <p:pic>
+        <p:nvPicPr>
+          <p:cNvPr id="2" name="Picture 1">
+            <a:extLst>
+              <a:ext uri="{FF2B5EF4-FFF2-40B4-BE49-F238E27FC236}">
+                <a16:creationId xmlns:a16="http://schemas.microsoft.com/office/drawing/2014/main" id="{F524E154-15C4-0B23-E9C5-29E2DD497327}"/>
+              </a:ext>
+            </a:extLst>
+          </p:cNvPr>
+          <p:cNvPicPr>
+            <a:picLocks noChangeAspect="1"/>
+          </p:cNvPicPr>
+          <p:nvPr/>
+        </p:nvPicPr>
+        <p:blipFill rotWithShape="1">
+          <a:blip r:embed="rId3">
+            <a:extLst>
+              <a:ext uri="{28A0092B-C50C-407E-A947-70E740481C1C}">
+                <a14:useLocalDpi xmlns:a14="http://schemas.microsoft.com/office/drawing/2010/main" val="0"/>
+              </a:ext>
+            </a:extLst>
+          </a:blip>
+          <a:srcRect l="69227" t="33418" r="20112" b="50548"/>
+          <a:stretch/>
+        </p:blipFill>
+        <p:spPr>
+          <a:xfrm>
+            <a:off x="15579524" y="7544693"/>
+            <a:ext cx="2708477" cy="2987579"/>
+          </a:xfrm>
+          <a:prstGeom prst="rect">
+            <a:avLst/>
+          </a:prstGeom>
+        </p:spPr>
+      </p:pic>
+      <p:sp>
+        <p:nvSpPr>
+          <p:cNvPr id="3" name="TextBox 2">
+            <a:extLst>
+              <a:ext uri="{FF2B5EF4-FFF2-40B4-BE49-F238E27FC236}">
+                <a16:creationId xmlns:a16="http://schemas.microsoft.com/office/drawing/2014/main" id="{E1343823-9545-2632-2777-4994B59C3581}"/>
+              </a:ext>
+            </a:extLst>
+          </p:cNvPr>
+          <p:cNvSpPr txBox="1"/>
+          <p:nvPr/>
+        </p:nvSpPr>
+        <p:spPr>
+          <a:xfrm>
+            <a:off x="260430" y="329879"/>
+            <a:ext cx="11474369" cy="8224111"/>
+          </a:xfrm>
+          <a:prstGeom prst="rect">
+            <a:avLst/>
+          </a:prstGeom>
+          <a:noFill/>
+        </p:spPr>
+        <p:txBody>
+          <a:bodyPr wrap="square" rtlCol="0">
+            <a:spAutoFit/>
+          </a:bodyPr>
+          <a:lstStyle/>
+          <a:p>
+            <a:r>
+              <a:rPr lang="en-US" sz="6000" b="1" dirty="0">
+                <a:solidFill>
+                  <a:srgbClr val="CF3338"/>
+                </a:solidFill>
+                <a:latin typeface="Pragmatica" panose="020B0403040502020204" pitchFamily="34" charset="0"/>
+              </a:rPr>
+              <a:t>Wrap-up and resources</a:t>
+            </a:r>
+          </a:p>
+          <a:p>
+            <a:endParaRPr lang="en-US" sz="4200" dirty="0">
+              <a:solidFill>
+                <a:srgbClr val="CF3338"/>
+              </a:solidFill>
+              <a:latin typeface="Pragmatica" panose="020B0403040502020204" pitchFamily="34" charset="0"/>
+            </a:endParaRPr>
+          </a:p>
+          <a:p>
+            <a:pPr marL="342900" marR="0" lvl="0" indent="-342900">
+              <a:lnSpc>
+                <a:spcPct val="150000"/>
+              </a:lnSpc>
+              <a:spcBef>
+                <a:spcPts val="0"/>
+              </a:spcBef>
+              <a:spcAft>
+                <a:spcPts val="0"/>
+              </a:spcAft>
+              <a:buFont typeface="+mj-lt"/>
+              <a:buAutoNum type="arabicPeriod"/>
+            </a:pPr>
+            <a:r>
+              <a:rPr lang="en-US" sz="3600" kern="100" dirty="0">
+                <a:solidFill>
+                  <a:srgbClr val="CF3338"/>
+                </a:solidFill>
+                <a:effectLst/>
+                <a:latin typeface="Pragmatica" panose="020B0403040502020204"/>
+                <a:ea typeface="Aptos" panose="020B0004020202020204" pitchFamily="34" charset="0"/>
+                <a:cs typeface="Times New Roman" panose="02020603050405020304" pitchFamily="18" charset="0"/>
+              </a:rPr>
+              <a:t> What questions do you have? </a:t>
+            </a:r>
+          </a:p>
+          <a:p>
+            <a:pPr marL="342900" indent="-342900">
+              <a:lnSpc>
+                <a:spcPct val="150000"/>
+              </a:lnSpc>
+              <a:buFont typeface="+mj-lt"/>
+              <a:buAutoNum type="arabicPeriod"/>
+            </a:pPr>
+            <a:r>
+              <a:rPr lang="en-US" sz="3600" kern="100" dirty="0">
+                <a:solidFill>
+                  <a:srgbClr val="CF3338"/>
+                </a:solidFill>
+                <a:effectLst/>
+                <a:latin typeface="Pragmatica" panose="020B0403040502020204"/>
+                <a:ea typeface="Aptos" panose="020B0004020202020204" pitchFamily="34" charset="0"/>
+                <a:cs typeface="Times New Roman" panose="02020603050405020304" pitchFamily="18" charset="0"/>
+              </a:rPr>
+              <a:t> Resources: </a:t>
+            </a:r>
+            <a:r>
+              <a:rPr lang="en-US" sz="3600" dirty="0">
+                <a:solidFill>
+                  <a:srgbClr val="CF3338"/>
+                </a:solidFill>
+                <a:latin typeface="Pragmatica" panose="020B0403040502020204" pitchFamily="34" charset="0"/>
+                <a:hlinkClick r:id="rId4">
+                  <a:extLst>
+                    <a:ext uri="{A12FA001-AC4F-418D-AE19-62706E023703}">
+                      <ahyp:hlinkClr xmlns:ahyp="http://schemas.microsoft.com/office/drawing/2018/hyperlinkcolor" val="tx"/>
+                    </a:ext>
+                  </a:extLst>
+                </a:hlinkClick>
+              </a:rPr>
+              <a:t>https://github.com/stringfestdata/profitable-ai-copilot-excel/archive/refs/heads/main.zip</a:t>
+            </a:r>
+            <a:r>
+              <a:rPr lang="en-US" sz="3600" dirty="0">
+                <a:solidFill>
+                  <a:srgbClr val="CF3338"/>
+                </a:solidFill>
+                <a:latin typeface="Pragmatica" panose="020B0403040502020204" pitchFamily="34" charset="0"/>
+              </a:rPr>
+              <a:t> </a:t>
+            </a:r>
+            <a:endParaRPr lang="en-US" sz="3600" kern="100" dirty="0">
+              <a:solidFill>
+                <a:srgbClr val="CF3338"/>
+              </a:solidFill>
+              <a:effectLst/>
+              <a:latin typeface="Pragmatica" panose="020B0403040502020204"/>
+              <a:ea typeface="Aptos" panose="020B0004020202020204" pitchFamily="34" charset="0"/>
+              <a:cs typeface="Times New Roman" panose="02020603050405020304" pitchFamily="18" charset="0"/>
+            </a:endParaRPr>
+          </a:p>
+          <a:p>
+            <a:pPr marL="342900" marR="0" lvl="0" indent="-342900">
+              <a:lnSpc>
+                <a:spcPct val="150000"/>
+              </a:lnSpc>
+              <a:spcBef>
+                <a:spcPts val="0"/>
+              </a:spcBef>
+              <a:spcAft>
+                <a:spcPts val="0"/>
+              </a:spcAft>
+              <a:buFont typeface="+mj-lt"/>
+              <a:buAutoNum type="arabicPeriod"/>
+            </a:pPr>
+            <a:r>
+              <a:rPr lang="en-US" sz="3600" kern="100" dirty="0">
+                <a:solidFill>
+                  <a:srgbClr val="CF3338"/>
+                </a:solidFill>
+                <a:effectLst/>
+                <a:latin typeface="Pragmatica" panose="020B0403040502020204"/>
+                <a:ea typeface="Aptos" panose="020B0004020202020204" pitchFamily="34" charset="0"/>
+                <a:cs typeface="Times New Roman" panose="02020603050405020304" pitchFamily="18" charset="0"/>
+              </a:rPr>
+              <a:t> Follow me: </a:t>
+            </a:r>
+            <a:r>
+              <a:rPr lang="en-US" sz="3600" kern="100" dirty="0">
+                <a:solidFill>
+                  <a:srgbClr val="CF3338"/>
+                </a:solidFill>
+                <a:effectLst/>
+                <a:latin typeface="Pragmatica" panose="020B0403040502020204"/>
+                <a:ea typeface="Aptos" panose="020B0004020202020204" pitchFamily="34" charset="0"/>
+                <a:cs typeface="Times New Roman" panose="02020603050405020304" pitchFamily="18" charset="0"/>
+                <a:hlinkClick r:id="rId5">
+                  <a:extLst>
+                    <a:ext uri="{A12FA001-AC4F-418D-AE19-62706E023703}">
+                      <ahyp:hlinkClr xmlns:ahyp="http://schemas.microsoft.com/office/drawing/2018/hyperlinkcolor" val="tx"/>
+                    </a:ext>
+                  </a:extLst>
+                </a:hlinkClick>
+              </a:rPr>
+              <a:t>stringfestanalytics.com</a:t>
+            </a:r>
+            <a:r>
+              <a:rPr lang="en-US" sz="3600" kern="100" dirty="0">
+                <a:solidFill>
+                  <a:srgbClr val="CF3338"/>
+                </a:solidFill>
+                <a:effectLst/>
+                <a:latin typeface="Pragmatica" panose="020B0403040502020204"/>
+                <a:ea typeface="Aptos" panose="020B0004020202020204" pitchFamily="34" charset="0"/>
+                <a:cs typeface="Times New Roman" panose="02020603050405020304" pitchFamily="18" charset="0"/>
+              </a:rPr>
+              <a:t>    </a:t>
+            </a:r>
+          </a:p>
+          <a:p>
+            <a:pPr marL="342900" marR="0" lvl="0" indent="-342900">
+              <a:lnSpc>
+                <a:spcPct val="150000"/>
+              </a:lnSpc>
+              <a:spcBef>
+                <a:spcPts val="0"/>
+              </a:spcBef>
+              <a:spcAft>
+                <a:spcPts val="0"/>
+              </a:spcAft>
+              <a:buFont typeface="+mj-lt"/>
+              <a:buAutoNum type="arabicPeriod"/>
+            </a:pPr>
+            <a:r>
+              <a:rPr lang="en-US" sz="3600" kern="100" dirty="0">
+                <a:solidFill>
+                  <a:srgbClr val="CF3338"/>
+                </a:solidFill>
+                <a:effectLst/>
+                <a:latin typeface="Pragmatica" panose="020B0403040502020204"/>
+                <a:ea typeface="Aptos" panose="020B0004020202020204" pitchFamily="34" charset="0"/>
+                <a:cs typeface="Times New Roman" panose="02020603050405020304" pitchFamily="18" charset="0"/>
+              </a:rPr>
+              <a:t> Connect: </a:t>
+            </a:r>
+            <a:r>
+              <a:rPr lang="en-US" sz="3600" kern="100" dirty="0">
+                <a:solidFill>
+                  <a:srgbClr val="CF3338"/>
+                </a:solidFill>
+                <a:effectLst/>
+                <a:latin typeface="Pragmatica" panose="020B0403040502020204"/>
+                <a:ea typeface="Aptos" panose="020B0004020202020204" pitchFamily="34" charset="0"/>
+                <a:cs typeface="Times New Roman" panose="02020603050405020304" pitchFamily="18" charset="0"/>
+                <a:hlinkClick r:id="rId6">
+                  <a:extLst>
+                    <a:ext uri="{A12FA001-AC4F-418D-AE19-62706E023703}">
+                      <ahyp:hlinkClr xmlns:ahyp="http://schemas.microsoft.com/office/drawing/2018/hyperlinkcolor" val="tx"/>
+                    </a:ext>
+                  </a:extLst>
+                </a:hlinkClick>
+              </a:rPr>
+              <a:t>linkedin.com/in/gjmount  </a:t>
+            </a:r>
+            <a:endParaRPr lang="en-US" sz="3600" kern="100" dirty="0">
+              <a:solidFill>
+                <a:srgbClr val="CF3338"/>
+              </a:solidFill>
+              <a:effectLst/>
+              <a:latin typeface="Pragmatica" panose="020B0403040502020204"/>
+              <a:ea typeface="Aptos" panose="020B0004020202020204" pitchFamily="34" charset="0"/>
+              <a:cs typeface="Times New Roman" panose="02020603050405020304" pitchFamily="18" charset="0"/>
+            </a:endParaRPr>
+          </a:p>
+          <a:p>
+            <a:pPr marL="342900" marR="0" lvl="0" indent="-342900">
+              <a:lnSpc>
+                <a:spcPct val="150000"/>
+              </a:lnSpc>
+              <a:spcBef>
+                <a:spcPts val="0"/>
+              </a:spcBef>
+              <a:spcAft>
+                <a:spcPts val="0"/>
+              </a:spcAft>
+              <a:buFont typeface="+mj-lt"/>
+              <a:buAutoNum type="arabicPeriod"/>
+            </a:pPr>
+            <a:r>
+              <a:rPr lang="en-US" sz="3600" kern="100" dirty="0">
+                <a:solidFill>
+                  <a:srgbClr val="CF3338"/>
+                </a:solidFill>
+                <a:effectLst/>
+                <a:latin typeface="Pragmatica" panose="020B0403040502020204"/>
+                <a:ea typeface="Aptos" panose="020B0004020202020204" pitchFamily="34" charset="0"/>
+                <a:cs typeface="Times New Roman" panose="02020603050405020304" pitchFamily="18" charset="0"/>
+              </a:rPr>
+              <a:t> Free until end of year: Copilot in Excel Course at </a:t>
+            </a:r>
+            <a:r>
+              <a:rPr lang="en-US" sz="3600" kern="100" dirty="0">
+                <a:solidFill>
+                  <a:srgbClr val="CF3338"/>
+                </a:solidFill>
+                <a:effectLst/>
+                <a:latin typeface="Pragmatica" panose="020B0403040502020204"/>
+                <a:ea typeface="Aptos" panose="020B0004020202020204" pitchFamily="34" charset="0"/>
+                <a:cs typeface="Times New Roman" panose="02020603050405020304" pitchFamily="18" charset="0"/>
+                <a:hlinkClick r:id="rId7">
+                  <a:extLst>
+                    <a:ext uri="{A12FA001-AC4F-418D-AE19-62706E023703}">
+                      <ahyp:hlinkClr xmlns:ahyp="http://schemas.microsoft.com/office/drawing/2018/hyperlinkcolor" val="tx"/>
+                    </a:ext>
+                  </a:extLst>
+                </a:hlinkClick>
+              </a:rPr>
+              <a:t>https://www.linkedin.com/learning/excel-with-copilot-ai-driven-data-analysis </a:t>
+            </a:r>
+            <a:endParaRPr lang="en-US" sz="3600" kern="100" dirty="0">
+              <a:solidFill>
+                <a:srgbClr val="CF3338"/>
+              </a:solidFill>
+              <a:effectLst/>
+              <a:latin typeface="Pragmatica" panose="020B0403040502020204"/>
+              <a:ea typeface="Aptos" panose="020B0004020202020204" pitchFamily="34" charset="0"/>
+              <a:cs typeface="Times New Roman" panose="02020603050405020304" pitchFamily="18" charset="0"/>
+            </a:endParaRPr>
+          </a:p>
+        </p:txBody>
+      </p:sp>
+    </p:spTree>
+    <p:extLst>
+      <p:ext uri="{BB962C8B-B14F-4D97-AF65-F5344CB8AC3E}">
+        <p14:creationId xmlns:p14="http://schemas.microsoft.com/office/powerpoint/2010/main" val="445953425"/>
+      </p:ext>
+    </p:extLst>
+  </p:cSld>
+  <p:clrMapOvr>
+    <a:masterClrMapping/>
+  </p:clrMapOvr>
+</p:sld>
+</file>
+
+<file path=ppt/slides/slide11.xml><?xml version="1.0" encoding="utf-8"?>
+<p:sld xmlns:a="http://schemas.openxmlformats.org/drawingml/2006/main" xmlns:r="http://schemas.openxmlformats.org/officeDocument/2006/relationships" xmlns:p="http://schemas.openxmlformats.org/presentationml/2006/main">
+  <p:cSld>
+    <p:spTree>
+      <p:nvGrpSpPr>
+        <p:cNvPr id="1" name=""/>
+        <p:cNvGrpSpPr/>
+        <p:nvPr/>
+      </p:nvGrpSpPr>
+      <p:grpSpPr>
+        <a:xfrm>
+          <a:off x="0" y="0"/>
+          <a:ext cx="0" cy="0"/>
+          <a:chOff x="0" y="0"/>
+          <a:chExt cx="0" cy="0"/>
+        </a:xfrm>
+      </p:grpSpPr>
+      <p:pic>
+        <p:nvPicPr>
+          <p:cNvPr id="10" name="Picture 9"/>
+          <p:cNvPicPr>
+            <a:picLocks noChangeAspect="1"/>
+          </p:cNvPicPr>
+          <p:nvPr/>
+        </p:nvPicPr>
+        <p:blipFill rotWithShape="1">
+          <a:blip r:embed="rId2">
+            <a:extLst>
+              <a:ext uri="{28A0092B-C50C-407E-A947-70E740481C1C}">
+                <a14:useLocalDpi xmlns:a14="http://schemas.microsoft.com/office/drawing/2010/main" val="0"/>
+              </a:ext>
+            </a:extLst>
+          </a:blip>
+          <a:srcRect l="50728" t="56371"/>
+          <a:stretch/>
+        </p:blipFill>
+        <p:spPr>
+          <a:xfrm>
+            <a:off x="12204691" y="3316148"/>
+            <a:ext cx="6083309" cy="6970854"/>
+          </a:xfrm>
+          <a:prstGeom prst="rect">
+            <a:avLst/>
+          </a:prstGeom>
+        </p:spPr>
+      </p:pic>
+      <p:pic>
+        <p:nvPicPr>
+          <p:cNvPr id="4" name="Picture 3"/>
+          <p:cNvPicPr>
+            <a:picLocks noChangeAspect="1"/>
+          </p:cNvPicPr>
+          <p:nvPr/>
+        </p:nvPicPr>
+        <p:blipFill>
+          <a:blip r:embed="rId3">
+            <a:extLst>
+              <a:ext uri="{28A0092B-C50C-407E-A947-70E740481C1C}">
+                <a14:useLocalDpi xmlns:a14="http://schemas.microsoft.com/office/drawing/2010/main" val="0"/>
+              </a:ext>
+            </a:extLst>
+          </a:blip>
+          <a:stretch>
+            <a:fillRect/>
+          </a:stretch>
+        </p:blipFill>
+        <p:spPr>
+          <a:xfrm>
+            <a:off x="-807744" y="-3724155"/>
+            <a:ext cx="15257208" cy="11189825"/>
+          </a:xfrm>
+          <a:prstGeom prst="rect">
+            <a:avLst/>
+          </a:prstGeom>
+        </p:spPr>
+      </p:pic>
+      <p:sp>
+        <p:nvSpPr>
+          <p:cNvPr id="11" name="TextBox 10"/>
+          <p:cNvSpPr txBox="1"/>
+          <p:nvPr/>
+        </p:nvSpPr>
+        <p:spPr>
+          <a:xfrm>
+            <a:off x="486137" y="2531318"/>
+            <a:ext cx="11979797" cy="923330"/>
+          </a:xfrm>
+          <a:prstGeom prst="rect">
+            <a:avLst/>
+          </a:prstGeom>
+          <a:noFill/>
+        </p:spPr>
+        <p:txBody>
+          <a:bodyPr wrap="square" rtlCol="0">
+            <a:spAutoFit/>
+          </a:bodyPr>
+          <a:lstStyle/>
+          <a:p>
+            <a:r>
+              <a:rPr lang="en-US" sz="5400" b="1" dirty="0">
+                <a:solidFill>
+                  <a:srgbClr val="CF3338"/>
+                </a:solidFill>
+                <a:latin typeface="Pragmatica" panose="020B0403040502020204" pitchFamily="34" charset="0"/>
+              </a:rPr>
+              <a:t>Questions?</a:t>
+            </a:r>
+          </a:p>
+        </p:txBody>
+      </p:sp>
+      <p:pic>
+        <p:nvPicPr>
+          <p:cNvPr id="5" name="Picture 4">
+            <a:extLst>
+              <a:ext uri="{FF2B5EF4-FFF2-40B4-BE49-F238E27FC236}">
+                <a16:creationId xmlns:a16="http://schemas.microsoft.com/office/drawing/2014/main" id="{54A06221-5316-4BCF-9FDA-BDB95FF4A778}"/>
+              </a:ext>
+            </a:extLst>
+          </p:cNvPr>
+          <p:cNvPicPr>
+            <a:picLocks noChangeAspect="1"/>
+          </p:cNvPicPr>
+          <p:nvPr/>
+        </p:nvPicPr>
+        <p:blipFill>
+          <a:blip r:embed="rId4">
+            <a:extLst>
+              <a:ext uri="{28A0092B-C50C-407E-A947-70E740481C1C}">
+                <a14:useLocalDpi xmlns:a14="http://schemas.microsoft.com/office/drawing/2010/main" val="0"/>
+              </a:ext>
+            </a:extLst>
+          </a:blip>
+          <a:srcRect/>
+          <a:stretch/>
+        </p:blipFill>
+        <p:spPr>
+          <a:xfrm>
+            <a:off x="12204691" y="3317239"/>
+            <a:ext cx="6083309" cy="6968672"/>
+          </a:xfrm>
+          <a:prstGeom prst="rect">
+            <a:avLst/>
+          </a:prstGeom>
+        </p:spPr>
+      </p:pic>
+    </p:spTree>
+    <p:extLst>
+      <p:ext uri="{BB962C8B-B14F-4D97-AF65-F5344CB8AC3E}">
+        <p14:creationId xmlns:p14="http://schemas.microsoft.com/office/powerpoint/2010/main" val="1689860732"/>
+      </p:ext>
+    </p:extLst>
+  </p:cSld>
+  <p:clrMapOvr>
+    <a:masterClrMapping/>
+  </p:clrMapOvr>
+</p:sld>
+</file>
+
+<file path=ppt/slides/slide12.xml><?xml version="1.0" encoding="utf-8"?>
+<p:sld xmlns:a="http://schemas.openxmlformats.org/drawingml/2006/main" xmlns:r="http://schemas.openxmlformats.org/officeDocument/2006/relationships" xmlns:p="http://schemas.openxmlformats.org/presentationml/2006/main">
+  <p:cSld>
+    <p:spTree>
+      <p:nvGrpSpPr>
+        <p:cNvPr id="1" name="">
+          <a:extLst>
+            <a:ext uri="{FF2B5EF4-FFF2-40B4-BE49-F238E27FC236}">
+              <a16:creationId xmlns:a16="http://schemas.microsoft.com/office/drawing/2014/main" id="{E85323C9-D5F7-C820-78B9-E169BDF2311C}"/>
+            </a:ext>
+          </a:extLst>
+        </p:cNvPr>
+        <p:cNvGrpSpPr/>
+        <p:nvPr/>
+      </p:nvGrpSpPr>
+      <p:grpSpPr>
+        <a:xfrm>
+          <a:off x="0" y="0"/>
+          <a:ext cx="0" cy="0"/>
+          <a:chOff x="0" y="0"/>
+          <a:chExt cx="0" cy="0"/>
+        </a:xfrm>
+      </p:grpSpPr>
+      <p:sp>
+        <p:nvSpPr>
+          <p:cNvPr id="4" name="Rectangle 3">
+            <a:extLst>
+              <a:ext uri="{FF2B5EF4-FFF2-40B4-BE49-F238E27FC236}">
+                <a16:creationId xmlns:a16="http://schemas.microsoft.com/office/drawing/2014/main" id="{28971779-1F50-1702-DEC1-87CD482189F0}"/>
+              </a:ext>
+            </a:extLst>
+          </p:cNvPr>
+          <p:cNvSpPr/>
+          <p:nvPr/>
+        </p:nvSpPr>
+        <p:spPr>
+          <a:xfrm>
+            <a:off x="0" y="0"/>
+            <a:ext cx="18288000" cy="10287000"/>
+          </a:xfrm>
+          <a:prstGeom prst="rect">
+            <a:avLst/>
+          </a:prstGeom>
+          <a:solidFill>
+            <a:srgbClr val="CF3338"/>
+          </a:solidFill>
+          <a:ln>
+            <a:noFill/>
+          </a:ln>
+        </p:spPr>
+        <p:style>
+          <a:lnRef idx="2">
+            <a:schemeClr val="accent1">
+              <a:shade val="50000"/>
+            </a:schemeClr>
+          </a:lnRef>
+          <a:fillRef idx="1">
+            <a:schemeClr val="accent1"/>
+          </a:fillRef>
+          <a:effectRef idx="0">
+            <a:schemeClr val="accent1"/>
+          </a:effectRef>
+          <a:fontRef idx="minor">
+            <a:schemeClr val="lt1"/>
+          </a:fontRef>
+        </p:style>
+        <p:txBody>
+          <a:bodyPr rtlCol="0" anchor="ctr"/>
+          <a:lstStyle/>
+          <a:p>
+            <a:pPr algn="ctr"/>
+            <a:endParaRPr lang="en-US" sz="2700"/>
+          </a:p>
+        </p:txBody>
+      </p:sp>
+      <p:sp>
+        <p:nvSpPr>
+          <p:cNvPr id="5" name="TextBox 4">
+            <a:extLst>
+              <a:ext uri="{FF2B5EF4-FFF2-40B4-BE49-F238E27FC236}">
+                <a16:creationId xmlns:a16="http://schemas.microsoft.com/office/drawing/2014/main" id="{5ECC4C7B-C529-5329-03AC-796804551DC1}"/>
+              </a:ext>
+            </a:extLst>
+          </p:cNvPr>
+          <p:cNvSpPr txBox="1"/>
+          <p:nvPr/>
+        </p:nvSpPr>
+        <p:spPr>
+          <a:xfrm>
+            <a:off x="781292" y="590309"/>
+            <a:ext cx="15486926" cy="1615827"/>
+          </a:xfrm>
+          <a:prstGeom prst="rect">
+            <a:avLst/>
+          </a:prstGeom>
+          <a:noFill/>
+        </p:spPr>
+        <p:txBody>
+          <a:bodyPr wrap="square" rtlCol="0">
+            <a:spAutoFit/>
+          </a:bodyPr>
+          <a:lstStyle/>
+          <a:p>
+            <a:r>
+              <a:rPr lang="en-US" sz="9900" b="1" dirty="0">
+                <a:solidFill>
+                  <a:schemeClr val="bg1"/>
+                </a:solidFill>
+                <a:latin typeface="Normafixed Tryout" panose="00000409000000000000" pitchFamily="49" charset="0"/>
+              </a:rPr>
+              <a:t>Thank you</a:t>
+            </a:r>
+          </a:p>
+        </p:txBody>
+      </p:sp>
+    </p:spTree>
+    <p:extLst>
+      <p:ext uri="{BB962C8B-B14F-4D97-AF65-F5344CB8AC3E}">
+        <p14:creationId xmlns:p14="http://schemas.microsoft.com/office/powerpoint/2010/main" val="657829062"/>
+      </p:ext>
+    </p:extLst>
+  </p:cSld>
+  <p:clrMapOvr>
+    <a:masterClrMapping/>
+  </p:clrMapOvr>
+</p:sld>
+</file>
+
 <file path=ppt/slides/slide2.xml><?xml version="1.0" encoding="utf-8"?>
 <p:sld xmlns:a="http://schemas.openxmlformats.org/drawingml/2006/main" xmlns:r="http://schemas.openxmlformats.org/officeDocument/2006/relationships" xmlns:p="http://schemas.openxmlformats.org/presentationml/2006/main">
   <p:cSld>
@@ -4666,7 +5739,7 @@
         <p:spPr>
           <a:xfrm>
             <a:off x="520861" y="3191948"/>
-            <a:ext cx="14393120" cy="1384995"/>
+            <a:ext cx="14393120" cy="2031325"/>
           </a:xfrm>
           <a:prstGeom prst="rect">
             <a:avLst/>
@@ -4694,6 +5767,31 @@
                 <a:latin typeface="Pragmatica" panose="020B0403040502020204" pitchFamily="34" charset="0"/>
               </a:rPr>
               <a:t>Download at </a:t>
+            </a:r>
+            <a:r>
+              <a:rPr lang="en-US" sz="4200" dirty="0">
+                <a:solidFill>
+                  <a:srgbClr val="CF3338"/>
+                </a:solidFill>
+                <a:latin typeface="Pragmatica" panose="020B0403040502020204" pitchFamily="34" charset="0"/>
+                <a:hlinkClick r:id="rId2">
+                  <a:extLst>
+                    <a:ext uri="{A12FA001-AC4F-418D-AE19-62706E023703}">
+                      <ahyp:hlinkClr xmlns:ahyp="http://schemas.microsoft.com/office/drawing/2018/hyperlinkcolor" val="tx"/>
+                    </a:ext>
+                  </a:extLst>
+                </a:hlinkClick>
+              </a:rPr>
+              <a:t>https://github.com/stringfestdata/profitable-ai-copilot-excel/archive/refs/heads/main.zip</a:t>
+            </a:r>
+            <a:r>
+              <a:rPr lang="en-US" sz="4200" dirty="0">
+                <a:solidFill>
+                  <a:srgbClr val="CF3338"/>
+                </a:solidFill>
+                <a:latin typeface="Pragmatica" panose="020B0403040502020204" pitchFamily="34" charset="0"/>
+              </a:rPr>
+              <a:t> </a:t>
             </a:r>
           </a:p>
           <a:p>
@@ -4731,7 +5829,7 @@
           <p:nvPr/>
         </p:nvPicPr>
         <p:blipFill>
-          <a:blip r:embed="rId2">
+          <a:blip r:embed="rId3">
             <a:extLst>
               <a:ext uri="{28A0092B-C50C-407E-A947-70E740481C1C}">
                 <a14:useLocalDpi xmlns:a14="http://schemas.microsoft.com/office/drawing/2010/main" val="0"/>
@@ -4866,7 +5964,7 @@
         <p:spPr>
           <a:xfrm>
             <a:off x="260431" y="329879"/>
-            <a:ext cx="8906720" cy="4881721"/>
+            <a:ext cx="8906720" cy="6934784"/>
           </a:xfrm>
           <a:prstGeom prst="rect">
             <a:avLst/>
@@ -4886,7 +5984,7 @@
                 </a:solidFill>
                 <a:latin typeface="Pragmatica" panose="020B0403040502020204" pitchFamily="34" charset="0"/>
               </a:rPr>
-              <a:t>First flow with Power Automate</a:t>
+              <a:t>Starting point: Analyze Data</a:t>
             </a:r>
           </a:p>
           <a:p>
@@ -4920,7 +6018,17 @@
                 <a:latin typeface="Pragmatica" panose="020B0403040502020204"/>
                 <a:sym typeface="Consolas"/>
               </a:rPr>
-              <a:t>Use Power Automate templates for Excel</a:t>
+              <a:t>Workbook: </a:t>
+            </a:r>
+            <a:r>
+              <a:rPr lang="en-US" sz="3600" dirty="0">
+                <a:solidFill>
+                  <a:srgbClr val="C00000"/>
+                </a:solidFill>
+                <a:latin typeface="Consolas" panose="020B0609020204030204" pitchFamily="49" charset="0"/>
+                <a:sym typeface="Consolas"/>
+              </a:rPr>
+              <a:t>wholesale-customers.xlsx</a:t>
             </a:r>
           </a:p>
           <a:p>
@@ -4946,11 +6054,11 @@
                 <a:latin typeface="Pragmatica" panose="020B0403040502020204"/>
                 <a:sym typeface="Consolas"/>
               </a:rPr>
-              <a:t>Create clock in/clock out workflow</a:t>
-            </a:r>
-          </a:p>
-          <a:p>
-            <a:pPr marL="142875">
+              <a:t>Explore Analyze Data for quick insights</a:t>
+            </a:r>
+          </a:p>
+          <a:p>
+            <a:pPr marL="685800" indent="-542925">
               <a:lnSpc>
                 <a:spcPct val="115000"/>
               </a:lnSpc>
@@ -4961,6 +6069,8 @@
                 <a:srgbClr val="C00000"/>
               </a:buClr>
               <a:buSzPts val="2100"/>
+              <a:buFont typeface="Arial"/>
+              <a:buAutoNum type="arabicPeriod"/>
             </a:pPr>
             <a:r>
               <a:rPr lang="en-US" sz="3600" dirty="0">
@@ -4970,17 +6080,33 @@
                 <a:latin typeface="Pragmatica" panose="020B0403040502020204"/>
                 <a:sym typeface="Consolas"/>
               </a:rPr>
-              <a:t>File: </a:t>
-            </a:r>
+              <a:t>Try natural language querying</a:t>
+            </a:r>
+          </a:p>
+          <a:p>
+            <a:pPr marL="685800" indent="-542925">
+              <a:lnSpc>
+                <a:spcPct val="115000"/>
+              </a:lnSpc>
+              <a:spcBef>
+                <a:spcPts val="1125"/>
+              </a:spcBef>
+              <a:buClr>
+                <a:srgbClr val="C00000"/>
+              </a:buClr>
+              <a:buSzPts val="2100"/>
+              <a:buFont typeface="Arial"/>
+              <a:buAutoNum type="arabicPeriod"/>
+            </a:pPr>
             <a:r>
               <a:rPr lang="en-US" sz="3600" dirty="0">
                 <a:solidFill>
                   <a:srgbClr val="C00000"/>
                 </a:solidFill>
-                <a:latin typeface="Consolas" panose="020B0609020204030204" pitchFamily="49" charset="0"/>
+                <a:latin typeface="Pragmatica" panose="020B0403040502020204"/>
                 <a:sym typeface="Consolas"/>
               </a:rPr>
-              <a:t>first-flow.xlsx</a:t>
+              <a:t>How can we get better results with cleaner data? </a:t>
             </a:r>
           </a:p>
         </p:txBody>
@@ -5003,7 +6129,13 @@
   <p:cSld>
     <p:spTree>
       <p:nvGrpSpPr>
-        <p:cNvPr id="1" name=""/>
+        <p:cNvPr id="1" name="">
+          <a:extLst>
+            <a:ext uri="{FF2B5EF4-FFF2-40B4-BE49-F238E27FC236}">
+              <a16:creationId xmlns:a16="http://schemas.microsoft.com/office/drawing/2014/main" id="{7B23C090-7EB1-A6D3-CD7C-2CAF820DDB5C}"/>
+            </a:ext>
+          </a:extLst>
+        </p:cNvPr>
         <p:cNvGrpSpPr/>
         <p:nvPr/>
       </p:nvGrpSpPr>
@@ -5017,7 +6149,13 @@
       </p:grpSpPr>
       <p:sp>
         <p:nvSpPr>
-          <p:cNvPr id="4" name="Rectangle 3"/>
+          <p:cNvPr id="4" name="Rectangle 3">
+            <a:extLst>
+              <a:ext uri="{FF2B5EF4-FFF2-40B4-BE49-F238E27FC236}">
+                <a16:creationId xmlns:a16="http://schemas.microsoft.com/office/drawing/2014/main" id="{6320B486-0222-E2E6-6198-AD35FDE5DAF0}"/>
+              </a:ext>
+            </a:extLst>
+          </p:cNvPr>
           <p:cNvSpPr/>
           <p:nvPr/>
         </p:nvSpPr>
@@ -5063,7 +6201,13 @@
       </p:sp>
       <p:pic>
         <p:nvPicPr>
-          <p:cNvPr id="2" name="Picture 1"/>
+          <p:cNvPr id="2" name="Picture 1">
+            <a:extLst>
+              <a:ext uri="{FF2B5EF4-FFF2-40B4-BE49-F238E27FC236}">
+                <a16:creationId xmlns:a16="http://schemas.microsoft.com/office/drawing/2014/main" id="{EC7365AB-58AE-7AFE-24A8-DC0257B51835}"/>
+              </a:ext>
+            </a:extLst>
+          </p:cNvPr>
           <p:cNvPicPr>
             <a:picLocks noChangeAspect="1"/>
           </p:cNvPicPr>
@@ -5092,14 +6236,20 @@
       </p:pic>
       <p:sp>
         <p:nvSpPr>
-          <p:cNvPr id="3" name="TextBox 2"/>
+          <p:cNvPr id="3" name="TextBox 2">
+            <a:extLst>
+              <a:ext uri="{FF2B5EF4-FFF2-40B4-BE49-F238E27FC236}">
+                <a16:creationId xmlns:a16="http://schemas.microsoft.com/office/drawing/2014/main" id="{20F3CCF9-8ACB-EE81-041E-B397064E8CA9}"/>
+              </a:ext>
+            </a:extLst>
+          </p:cNvPr>
           <p:cNvSpPr txBox="1"/>
           <p:nvPr/>
         </p:nvSpPr>
         <p:spPr>
           <a:xfrm>
             <a:off x="260431" y="329879"/>
-            <a:ext cx="8906720" cy="6936322"/>
+            <a:ext cx="8906720" cy="6011454"/>
           </a:xfrm>
           <a:prstGeom prst="rect">
             <a:avLst/>
@@ -5119,23 +6269,8 @@
                 </a:solidFill>
                 <a:latin typeface="Pragmatica" panose="020B0403040502020204" pitchFamily="34" charset="0"/>
               </a:rPr>
-              <a:t>Customizing outputs with Power </a:t>
-            </a:r>
-            <a:r>
-              <a:rPr lang="en-US" sz="6000" b="1" dirty="0" err="1">
-                <a:solidFill>
-                  <a:srgbClr val="CF3338"/>
-                </a:solidFill>
-                <a:latin typeface="Pragmatica" panose="020B0403040502020204" pitchFamily="34" charset="0"/>
-              </a:rPr>
-              <a:t>Fx</a:t>
-            </a:r>
-            <a:endParaRPr lang="en-US" sz="6000" b="1" dirty="0">
-              <a:solidFill>
-                <a:srgbClr val="CF3338"/>
-              </a:solidFill>
-              <a:latin typeface="Pragmatica" panose="020B0403040502020204" pitchFamily="34" charset="0"/>
-            </a:endParaRPr>
+              <a:t>Why Power Query?</a:t>
+            </a:r>
           </a:p>
           <a:p>
             <a:endParaRPr lang="en-US" sz="4200" dirty="0">
@@ -5146,69 +6281,7 @@
             </a:endParaRPr>
           </a:p>
           <a:p>
-            <a:pPr marL="342900" marR="0" lvl="0" indent="-342900">
-              <a:lnSpc>
-                <a:spcPct val="115000"/>
-              </a:lnSpc>
-              <a:spcBef>
-                <a:spcPts val="0"/>
-              </a:spcBef>
-              <a:spcAft>
-                <a:spcPts val="0"/>
-              </a:spcAft>
-              <a:buFont typeface="+mj-lt"/>
-              <a:buAutoNum type="arabicPeriod"/>
-            </a:pPr>
-            <a:r>
-              <a:rPr lang="en-US" sz="3200" kern="100" dirty="0">
-                <a:solidFill>
-                  <a:srgbClr val="CF3338"/>
-                </a:solidFill>
-                <a:effectLst/>
-                <a:latin typeface="Pragmatica" panose="020B0403040502020204"/>
-                <a:ea typeface="Aptos" panose="020B0004020202020204" pitchFamily="34" charset="0"/>
-                <a:cs typeface="Times New Roman" panose="02020603050405020304" pitchFamily="18" charset="0"/>
-              </a:rPr>
-              <a:t>Continue with the previous example</a:t>
-            </a:r>
-          </a:p>
-          <a:p>
-            <a:pPr marL="342900" marR="0" lvl="0" indent="-342900">
-              <a:lnSpc>
-                <a:spcPct val="115000"/>
-              </a:lnSpc>
-              <a:spcBef>
-                <a:spcPts val="0"/>
-              </a:spcBef>
-              <a:spcAft>
-                <a:spcPts val="0"/>
-              </a:spcAft>
-              <a:buFont typeface="+mj-lt"/>
-              <a:buAutoNum type="arabicPeriod"/>
-            </a:pPr>
-            <a:r>
-              <a:rPr lang="en-US" sz="3200" kern="100" dirty="0">
-                <a:solidFill>
-                  <a:srgbClr val="CF3338"/>
-                </a:solidFill>
-                <a:latin typeface="Pragmatica" panose="020B0403040502020204"/>
-                <a:ea typeface="Aptos" panose="020B0004020202020204" pitchFamily="34" charset="0"/>
-                <a:cs typeface="Times New Roman" panose="02020603050405020304" pitchFamily="18" charset="0"/>
-              </a:rPr>
-              <a:t>How can we improve appearance of outputs in Excel? </a:t>
-            </a:r>
-            <a:endParaRPr lang="en-US" sz="3200" kern="100" dirty="0">
-              <a:solidFill>
-                <a:srgbClr val="CF3338"/>
-              </a:solidFill>
-              <a:effectLst/>
-              <a:latin typeface="Pragmatica" panose="020B0403040502020204"/>
-              <a:ea typeface="Aptos" panose="020B0004020202020204" pitchFamily="34" charset="0"/>
-              <a:cs typeface="Times New Roman" panose="02020603050405020304" pitchFamily="18" charset="0"/>
-            </a:endParaRPr>
-          </a:p>
-          <a:p>
-            <a:pPr marL="142875">
+            <a:pPr marL="685800" indent="-542925">
               <a:lnSpc>
                 <a:spcPct val="115000"/>
               </a:lnSpc>
@@ -5219,6 +6292,8 @@
                 <a:srgbClr val="C00000"/>
               </a:buClr>
               <a:buSzPts val="2100"/>
+              <a:buFont typeface="Arial"/>
+              <a:buAutoNum type="arabicPeriod"/>
             </a:pPr>
             <a:r>
               <a:rPr lang="en-US" sz="3600" dirty="0">
@@ -5228,21 +6303,67 @@
                 <a:latin typeface="Pragmatica" panose="020B0403040502020204"/>
                 <a:sym typeface="Consolas"/>
               </a:rPr>
-              <a:t>Resource: https://stringfestanalytics.com/power-automate-for-excel-how-to-understand-the-power-fx-programming-language/</a:t>
-            </a:r>
-            <a:endParaRPr lang="en-US" sz="6000" dirty="0">
-              <a:solidFill>
-                <a:srgbClr val="CF3338"/>
-              </a:solidFill>
-              <a:latin typeface="Pragmatica" panose="020B0403040502020204"/>
-            </a:endParaRPr>
+              <a:t>Copilot works best with clean, structured data</a:t>
+            </a:r>
+          </a:p>
+          <a:p>
+            <a:pPr marL="685800" indent="-542925">
+              <a:lnSpc>
+                <a:spcPct val="115000"/>
+              </a:lnSpc>
+              <a:spcBef>
+                <a:spcPts val="1125"/>
+              </a:spcBef>
+              <a:buClr>
+                <a:srgbClr val="C00000"/>
+              </a:buClr>
+              <a:buSzPts val="2100"/>
+              <a:buFont typeface="Arial"/>
+              <a:buAutoNum type="arabicPeriod"/>
+            </a:pPr>
+            <a:r>
+              <a:rPr lang="en-US" sz="3600" dirty="0">
+                <a:solidFill>
+                  <a:srgbClr val="C00000"/>
+                </a:solidFill>
+                <a:latin typeface="Pragmatica" panose="020B0403040502020204"/>
+                <a:sym typeface="Consolas"/>
+              </a:rPr>
+              <a:t>Power Query makes data machine-readable</a:t>
+            </a:r>
+          </a:p>
+          <a:p>
+            <a:pPr marL="685800" indent="-542925">
+              <a:lnSpc>
+                <a:spcPct val="115000"/>
+              </a:lnSpc>
+              <a:spcBef>
+                <a:spcPts val="1125"/>
+              </a:spcBef>
+              <a:buClr>
+                <a:srgbClr val="C00000"/>
+              </a:buClr>
+              <a:buSzPts val="2100"/>
+              <a:buFont typeface="Arial"/>
+              <a:buAutoNum type="arabicPeriod"/>
+            </a:pPr>
+            <a:r>
+              <a:rPr lang="en-US" sz="3600" dirty="0">
+                <a:solidFill>
+                  <a:srgbClr val="C00000"/>
+                </a:solidFill>
+                <a:latin typeface="Pragmatica" panose="020B0403040502020204"/>
+                <a:sym typeface="Consolas"/>
+              </a:rPr>
+              <a:t>Ensures better results with Copilot and Analyze Data</a:t>
+            </a:r>
           </a:p>
         </p:txBody>
       </p:sp>
     </p:spTree>
     <p:extLst>
       <p:ext uri="{BB962C8B-B14F-4D97-AF65-F5344CB8AC3E}">
-        <p14:creationId xmlns:p14="http://schemas.microsoft.com/office/powerpoint/2010/main" val="1679221718"/>
+        <p14:creationId xmlns:p14="http://schemas.microsoft.com/office/powerpoint/2010/main" val="3851651886"/>
       </p:ext>
     </p:extLst>
   </p:cSld>
@@ -5257,13 +6378,7 @@
   <p:cSld>
     <p:spTree>
       <p:nvGrpSpPr>
-        <p:cNvPr id="1" name="">
-          <a:extLst>
-            <a:ext uri="{FF2B5EF4-FFF2-40B4-BE49-F238E27FC236}">
-              <a16:creationId xmlns:a16="http://schemas.microsoft.com/office/drawing/2014/main" id="{FC0679BB-E487-A9E3-1278-DBD7FB7F19FE}"/>
-            </a:ext>
-          </a:extLst>
-        </p:cNvPr>
+        <p:cNvPr id="1" name=""/>
         <p:cNvGrpSpPr/>
         <p:nvPr/>
       </p:nvGrpSpPr>
@@ -5277,13 +6392,7 @@
       </p:grpSpPr>
       <p:sp>
         <p:nvSpPr>
-          <p:cNvPr id="4" name="Rectangle 3">
-            <a:extLst>
-              <a:ext uri="{FF2B5EF4-FFF2-40B4-BE49-F238E27FC236}">
-                <a16:creationId xmlns:a16="http://schemas.microsoft.com/office/drawing/2014/main" id="{4B8E3D40-A823-8428-6682-B724027EAF41}"/>
-              </a:ext>
-            </a:extLst>
-          </p:cNvPr>
+          <p:cNvPr id="4" name="Rectangle 3"/>
           <p:cNvSpPr/>
           <p:nvPr/>
         </p:nvSpPr>
@@ -5329,10 +6438,377 @@
       </p:sp>
       <p:pic>
         <p:nvPicPr>
+          <p:cNvPr id="2" name="Picture 1"/>
+          <p:cNvPicPr>
+            <a:picLocks noChangeAspect="1"/>
+          </p:cNvPicPr>
+          <p:nvPr/>
+        </p:nvPicPr>
+        <p:blipFill rotWithShape="1">
+          <a:blip r:embed="rId3">
+            <a:extLst>
+              <a:ext uri="{28A0092B-C50C-407E-A947-70E740481C1C}">
+                <a14:useLocalDpi xmlns:a14="http://schemas.microsoft.com/office/drawing/2010/main" val="0"/>
+              </a:ext>
+            </a:extLst>
+          </a:blip>
+          <a:srcRect l="69227" t="33418" r="20112" b="50548"/>
+          <a:stretch/>
+        </p:blipFill>
+        <p:spPr>
+          <a:xfrm>
+            <a:off x="15579524" y="7544693"/>
+            <a:ext cx="2708477" cy="2987579"/>
+          </a:xfrm>
+          <a:prstGeom prst="rect">
+            <a:avLst/>
+          </a:prstGeom>
+        </p:spPr>
+      </p:pic>
+      <p:sp>
+        <p:nvSpPr>
+          <p:cNvPr id="3" name="TextBox 2"/>
+          <p:cNvSpPr txBox="1"/>
+          <p:nvPr/>
+        </p:nvSpPr>
+        <p:spPr>
+          <a:xfrm>
+            <a:off x="260431" y="329879"/>
+            <a:ext cx="8906720" cy="9147441"/>
+          </a:xfrm>
+          <a:prstGeom prst="rect">
+            <a:avLst/>
+          </a:prstGeom>
+          <a:noFill/>
+        </p:spPr>
+        <p:txBody>
+          <a:bodyPr wrap="square" rtlCol="0">
+            <a:spAutoFit/>
+          </a:bodyPr>
+          <a:lstStyle/>
+          <a:p>
+            <a:r>
+              <a:rPr lang="en-US" sz="6000" b="1" dirty="0">
+                <a:solidFill>
+                  <a:srgbClr val="CF3338"/>
+                </a:solidFill>
+                <a:latin typeface="Pragmatica" panose="020B0403040502020204" pitchFamily="34" charset="0"/>
+              </a:rPr>
+              <a:t>Studying penguins with Copilot</a:t>
+            </a:r>
+          </a:p>
+          <a:p>
+            <a:endParaRPr lang="en-US" sz="4200" dirty="0">
+              <a:solidFill>
+                <a:srgbClr val="CF3338"/>
+              </a:solidFill>
+              <a:latin typeface="Pragmatica" panose="020B0403040502020204" pitchFamily="34" charset="0"/>
+            </a:endParaRPr>
+          </a:p>
+          <a:p>
+            <a:pPr marL="342900" marR="0" lvl="0" indent="-342900">
+              <a:lnSpc>
+                <a:spcPct val="150000"/>
+              </a:lnSpc>
+              <a:spcBef>
+                <a:spcPts val="0"/>
+              </a:spcBef>
+              <a:spcAft>
+                <a:spcPts val="0"/>
+              </a:spcAft>
+              <a:buFont typeface="+mj-lt"/>
+              <a:buAutoNum type="arabicPeriod"/>
+            </a:pPr>
+            <a:r>
+              <a:rPr lang="en-US" sz="3600" kern="100" dirty="0">
+                <a:solidFill>
+                  <a:srgbClr val="CF3338"/>
+                </a:solidFill>
+                <a:latin typeface="Pragmatica" panose="020B0403040502020204"/>
+                <a:ea typeface="Aptos" panose="020B0004020202020204" pitchFamily="34" charset="0"/>
+                <a:cs typeface="Times New Roman" panose="02020603050405020304" pitchFamily="18" charset="0"/>
+              </a:rPr>
+              <a:t>Workbook: </a:t>
+            </a:r>
+            <a:r>
+              <a:rPr lang="en-US" sz="3600" kern="100" dirty="0">
+                <a:solidFill>
+                  <a:srgbClr val="CF3338"/>
+                </a:solidFill>
+                <a:latin typeface="Consolas" panose="020B0609020204030204" pitchFamily="49" charset="0"/>
+                <a:ea typeface="Aptos" panose="020B0004020202020204" pitchFamily="34" charset="0"/>
+                <a:cs typeface="Times New Roman" panose="02020603050405020304" pitchFamily="18" charset="0"/>
+              </a:rPr>
+              <a:t>penguins.xlsx</a:t>
+            </a:r>
+            <a:endParaRPr lang="en-US" sz="3600" kern="100" dirty="0">
+              <a:solidFill>
+                <a:srgbClr val="CF3338"/>
+              </a:solidFill>
+              <a:effectLst/>
+              <a:latin typeface="Consolas" panose="020B0609020204030204" pitchFamily="49" charset="0"/>
+              <a:ea typeface="Aptos" panose="020B0004020202020204" pitchFamily="34" charset="0"/>
+              <a:cs typeface="Times New Roman" panose="02020603050405020304" pitchFamily="18" charset="0"/>
+            </a:endParaRPr>
+          </a:p>
+          <a:p>
+            <a:pPr marL="342900" marR="0" lvl="0" indent="-342900">
+              <a:lnSpc>
+                <a:spcPct val="150000"/>
+              </a:lnSpc>
+              <a:spcBef>
+                <a:spcPts val="0"/>
+              </a:spcBef>
+              <a:spcAft>
+                <a:spcPts val="0"/>
+              </a:spcAft>
+              <a:buFont typeface="+mj-lt"/>
+              <a:buAutoNum type="arabicPeriod"/>
+            </a:pPr>
+            <a:r>
+              <a:rPr lang="en-US" sz="3600" kern="100" dirty="0">
+                <a:solidFill>
+                  <a:srgbClr val="CF3338"/>
+                </a:solidFill>
+                <a:effectLst/>
+                <a:latin typeface="Pragmatica" panose="020B0403040502020204"/>
+                <a:ea typeface="Aptos" panose="020B0004020202020204" pitchFamily="34" charset="0"/>
+                <a:cs typeface="Times New Roman" panose="02020603050405020304" pitchFamily="18" charset="0"/>
+              </a:rPr>
+              <a:t>Getting data Copilot-friendly</a:t>
+            </a:r>
+          </a:p>
+          <a:p>
+            <a:pPr marL="342900" marR="0" lvl="0" indent="-342900">
+              <a:lnSpc>
+                <a:spcPct val="150000"/>
+              </a:lnSpc>
+              <a:spcBef>
+                <a:spcPts val="0"/>
+              </a:spcBef>
+              <a:spcAft>
+                <a:spcPts val="0"/>
+              </a:spcAft>
+              <a:buFont typeface="+mj-lt"/>
+              <a:buAutoNum type="arabicPeriod"/>
+            </a:pPr>
+            <a:r>
+              <a:rPr lang="en-US" sz="3600" kern="100" dirty="0">
+                <a:solidFill>
+                  <a:srgbClr val="CF3338"/>
+                </a:solidFill>
+                <a:effectLst/>
+                <a:latin typeface="Pragmatica" panose="020B0403040502020204"/>
+                <a:ea typeface="Aptos" panose="020B0004020202020204" pitchFamily="34" charset="0"/>
+                <a:cs typeface="Times New Roman" panose="02020603050405020304" pitchFamily="18" charset="0"/>
+              </a:rPr>
+              <a:t>Formatting data as a Table</a:t>
+            </a:r>
+          </a:p>
+          <a:p>
+            <a:pPr marL="342900" marR="0" lvl="0" indent="-342900">
+              <a:lnSpc>
+                <a:spcPct val="150000"/>
+              </a:lnSpc>
+              <a:spcBef>
+                <a:spcPts val="0"/>
+              </a:spcBef>
+              <a:spcAft>
+                <a:spcPts val="0"/>
+              </a:spcAft>
+              <a:buFont typeface="+mj-lt"/>
+              <a:buAutoNum type="arabicPeriod"/>
+            </a:pPr>
+            <a:r>
+              <a:rPr lang="en-US" sz="3600" kern="100" dirty="0">
+                <a:solidFill>
+                  <a:srgbClr val="CF3338"/>
+                </a:solidFill>
+                <a:effectLst/>
+                <a:latin typeface="Pragmatica" panose="020B0403040502020204"/>
+                <a:ea typeface="Aptos" panose="020B0004020202020204" pitchFamily="34" charset="0"/>
+                <a:cs typeface="Times New Roman" panose="02020603050405020304" pitchFamily="18" charset="0"/>
+              </a:rPr>
+              <a:t>Creating calculated columns</a:t>
+            </a:r>
+          </a:p>
+          <a:p>
+            <a:pPr marL="342900" marR="0" lvl="0" indent="-342900">
+              <a:lnSpc>
+                <a:spcPct val="150000"/>
+              </a:lnSpc>
+              <a:spcBef>
+                <a:spcPts val="0"/>
+              </a:spcBef>
+              <a:spcAft>
+                <a:spcPts val="0"/>
+              </a:spcAft>
+              <a:buFont typeface="+mj-lt"/>
+              <a:buAutoNum type="arabicPeriod"/>
+            </a:pPr>
+            <a:r>
+              <a:rPr lang="en-US" sz="3600" kern="100" dirty="0">
+                <a:solidFill>
+                  <a:srgbClr val="CF3338"/>
+                </a:solidFill>
+                <a:effectLst/>
+                <a:latin typeface="Pragmatica" panose="020B0403040502020204"/>
+                <a:ea typeface="Aptos" panose="020B0004020202020204" pitchFamily="34" charset="0"/>
+                <a:cs typeface="Times New Roman" panose="02020603050405020304" pitchFamily="18" charset="0"/>
+              </a:rPr>
+              <a:t>Building summary charts</a:t>
+            </a:r>
+          </a:p>
+          <a:p>
+            <a:pPr marL="342900" marR="0" lvl="0" indent="-342900">
+              <a:lnSpc>
+                <a:spcPct val="150000"/>
+              </a:lnSpc>
+              <a:spcBef>
+                <a:spcPts val="0"/>
+              </a:spcBef>
+              <a:spcAft>
+                <a:spcPts val="0"/>
+              </a:spcAft>
+              <a:buFont typeface="+mj-lt"/>
+              <a:buAutoNum type="arabicPeriod"/>
+            </a:pPr>
+            <a:r>
+              <a:rPr lang="en-US" sz="3600" kern="100" dirty="0">
+                <a:solidFill>
+                  <a:srgbClr val="CF3338"/>
+                </a:solidFill>
+                <a:effectLst/>
+                <a:latin typeface="Pragmatica" panose="020B0403040502020204"/>
+                <a:ea typeface="Aptos" panose="020B0004020202020204" pitchFamily="34" charset="0"/>
+                <a:cs typeface="Times New Roman" panose="02020603050405020304" pitchFamily="18" charset="0"/>
+              </a:rPr>
+              <a:t>Using PivotTables</a:t>
+            </a:r>
+          </a:p>
+          <a:p>
+            <a:pPr marL="342900" marR="0" lvl="0" indent="-342900">
+              <a:lnSpc>
+                <a:spcPct val="150000"/>
+              </a:lnSpc>
+              <a:spcBef>
+                <a:spcPts val="0"/>
+              </a:spcBef>
+              <a:spcAft>
+                <a:spcPts val="0"/>
+              </a:spcAft>
+              <a:buFont typeface="+mj-lt"/>
+              <a:buAutoNum type="arabicPeriod"/>
+            </a:pPr>
+            <a:r>
+              <a:rPr lang="en-US" sz="3600" kern="100" dirty="0">
+                <a:solidFill>
+                  <a:srgbClr val="CF3338"/>
+                </a:solidFill>
+                <a:effectLst/>
+                <a:latin typeface="Pragmatica" panose="020B0403040502020204"/>
+                <a:ea typeface="Aptos" panose="020B0004020202020204" pitchFamily="34" charset="0"/>
+                <a:cs typeface="Times New Roman" panose="02020603050405020304" pitchFamily="18" charset="0"/>
+              </a:rPr>
+              <a:t>Exploring advanced analysis with Python in Excel</a:t>
+            </a:r>
+          </a:p>
+        </p:txBody>
+      </p:sp>
+    </p:spTree>
+    <p:extLst>
+      <p:ext uri="{BB962C8B-B14F-4D97-AF65-F5344CB8AC3E}">
+        <p14:creationId xmlns:p14="http://schemas.microsoft.com/office/powerpoint/2010/main" val="1679221718"/>
+      </p:ext>
+    </p:extLst>
+  </p:cSld>
+  <p:clrMapOvr>
+    <a:masterClrMapping/>
+  </p:clrMapOvr>
+</p:sld>
+</file>
+
+<file path=ppt/slides/slide8.xml><?xml version="1.0" encoding="utf-8"?>
+<p:sld xmlns:a="http://schemas.openxmlformats.org/drawingml/2006/main" xmlns:r="http://schemas.openxmlformats.org/officeDocument/2006/relationships" xmlns:p="http://schemas.openxmlformats.org/presentationml/2006/main">
+  <p:cSld>
+    <p:spTree>
+      <p:nvGrpSpPr>
+        <p:cNvPr id="1" name="">
+          <a:extLst>
+            <a:ext uri="{FF2B5EF4-FFF2-40B4-BE49-F238E27FC236}">
+              <a16:creationId xmlns:a16="http://schemas.microsoft.com/office/drawing/2014/main" id="{56560871-6EEC-1A3F-C05B-7224317E8A7D}"/>
+            </a:ext>
+          </a:extLst>
+        </p:cNvPr>
+        <p:cNvGrpSpPr/>
+        <p:nvPr/>
+      </p:nvGrpSpPr>
+      <p:grpSpPr>
+        <a:xfrm>
+          <a:off x="0" y="0"/>
+          <a:ext cx="0" cy="0"/>
+          <a:chOff x="0" y="0"/>
+          <a:chExt cx="0" cy="0"/>
+        </a:xfrm>
+      </p:grpSpPr>
+      <p:sp>
+        <p:nvSpPr>
+          <p:cNvPr id="4" name="Rectangle 3">
+            <a:extLst>
+              <a:ext uri="{FF2B5EF4-FFF2-40B4-BE49-F238E27FC236}">
+                <a16:creationId xmlns:a16="http://schemas.microsoft.com/office/drawing/2014/main" id="{175CF8A9-CC81-AE23-6432-2A0E6533621C}"/>
+              </a:ext>
+            </a:extLst>
+          </p:cNvPr>
+          <p:cNvSpPr/>
+          <p:nvPr/>
+        </p:nvSpPr>
+        <p:spPr>
+          <a:xfrm>
+            <a:off x="9861630" y="0"/>
+            <a:ext cx="8426370" cy="10287000"/>
+          </a:xfrm>
+          <a:prstGeom prst="rect">
+            <a:avLst/>
+          </a:prstGeom>
+          <a:solidFill>
+            <a:srgbClr val="CF3338"/>
+          </a:solidFill>
+          <a:ln>
+            <a:noFill/>
+          </a:ln>
+        </p:spPr>
+        <p:style>
+          <a:lnRef idx="2">
+            <a:schemeClr val="accent1">
+              <a:shade val="50000"/>
+            </a:schemeClr>
+          </a:lnRef>
+          <a:fillRef idx="1">
+            <a:schemeClr val="accent1"/>
+          </a:fillRef>
+          <a:effectRef idx="0">
+            <a:schemeClr val="accent1"/>
+          </a:effectRef>
+          <a:fontRef idx="minor">
+            <a:schemeClr val="lt1"/>
+          </a:fontRef>
+        </p:style>
+        <p:txBody>
+          <a:bodyPr rtlCol="0" anchor="ctr"/>
+          <a:lstStyle/>
+          <a:p>
+            <a:pPr algn="ctr"/>
+            <a:endParaRPr lang="en-US" sz="2700"/>
+          </a:p>
+        </p:txBody>
+      </p:sp>
+      <p:pic>
+        <p:nvPicPr>
           <p:cNvPr id="2" name="Picture 1">
             <a:extLst>
               <a:ext uri="{FF2B5EF4-FFF2-40B4-BE49-F238E27FC236}">
-                <a16:creationId xmlns:a16="http://schemas.microsoft.com/office/drawing/2014/main" id="{F524E154-15C4-0B23-E9C5-29E2DD497327}"/>
+                <a16:creationId xmlns:a16="http://schemas.microsoft.com/office/drawing/2014/main" id="{1F6B87DC-CDE9-78F9-4B56-8C9208262CDB}"/>
               </a:ext>
             </a:extLst>
           </p:cNvPr>
@@ -5367,7 +6843,7 @@
           <p:cNvPr id="3" name="TextBox 2">
             <a:extLst>
               <a:ext uri="{FF2B5EF4-FFF2-40B4-BE49-F238E27FC236}">
-                <a16:creationId xmlns:a16="http://schemas.microsoft.com/office/drawing/2014/main" id="{E1343823-9545-2632-2777-4994B59C3581}"/>
+                <a16:creationId xmlns:a16="http://schemas.microsoft.com/office/drawing/2014/main" id="{C0332DCC-D0BD-7410-0348-B3960B9929DF}"/>
               </a:ext>
             </a:extLst>
           </p:cNvPr>
@@ -5377,7 +6853,7 @@
         <p:spPr>
           <a:xfrm>
             <a:off x="260431" y="329879"/>
-            <a:ext cx="8906720" cy="6791154"/>
+            <a:ext cx="8906720" cy="9147441"/>
           </a:xfrm>
           <a:prstGeom prst="rect">
             <a:avLst/>
@@ -5397,7 +6873,7 @@
                 </a:solidFill>
                 <a:latin typeface="Pragmatica" panose="020B0403040502020204" pitchFamily="34" charset="0"/>
               </a:rPr>
-              <a:t>Building flows with Copilot</a:t>
+              <a:t>Studying penguins with Copilot</a:t>
             </a:r>
           </a:p>
           <a:p>
@@ -5411,7 +6887,7 @@
           <a:p>
             <a:pPr marL="342900" marR="0" lvl="0" indent="-342900">
               <a:lnSpc>
-                <a:spcPct val="115000"/>
+                <a:spcPct val="150000"/>
               </a:lnSpc>
               <a:spcBef>
                 <a:spcPts val="0"/>
@@ -5423,22 +6899,41 @@
               <a:buAutoNum type="arabicPeriod"/>
             </a:pPr>
             <a:r>
-              <a:rPr lang="en-US" sz="3200" kern="100" dirty="0">
+              <a:rPr lang="en-US" sz="3600" kern="100" dirty="0">
                 <a:solidFill>
                   <a:srgbClr val="CF3338"/>
                 </a:solidFill>
-                <a:effectLst/>
                 <a:latin typeface="Pragmatica" panose="020B0403040502020204"/>
                 <a:ea typeface="Aptos" panose="020B0004020202020204" pitchFamily="34" charset="0"/>
                 <a:cs typeface="Times New Roman" panose="02020603050405020304" pitchFamily="18" charset="0"/>
               </a:rPr>
-              <a:t>Get AI assistance to build a flow</a:t>
-            </a:r>
+              <a:t>Workbook: </a:t>
+            </a:r>
+            <a:r>
+              <a:rPr lang="en-US" sz="3600" kern="100" dirty="0">
+                <a:solidFill>
+                  <a:srgbClr val="CF3338"/>
+                </a:solidFill>
+                <a:latin typeface="Consolas" panose="020B0609020204030204" pitchFamily="49" charset="0"/>
+                <a:ea typeface="Aptos" panose="020B0004020202020204" pitchFamily="34" charset="0"/>
+                <a:cs typeface="Times New Roman" panose="02020603050405020304" pitchFamily="18" charset="0"/>
+              </a:rPr>
+              <a:t>penguins.xlsx</a:t>
+            </a:r>
+            <a:endParaRPr lang="en-US" sz="3600" kern="100" dirty="0">
+              <a:solidFill>
+                <a:srgbClr val="CF3338"/>
+              </a:solidFill>
+              <a:effectLst/>
+              <a:latin typeface="Consolas" panose="020B0609020204030204" pitchFamily="49" charset="0"/>
+              <a:ea typeface="Aptos" panose="020B0004020202020204" pitchFamily="34" charset="0"/>
+              <a:cs typeface="Times New Roman" panose="02020603050405020304" pitchFamily="18" charset="0"/>
+            </a:endParaRPr>
           </a:p>
           <a:p>
             <a:pPr marL="342900" marR="0" lvl="0" indent="-342900">
               <a:lnSpc>
-                <a:spcPct val="115000"/>
+                <a:spcPct val="150000"/>
               </a:lnSpc>
               <a:spcBef>
                 <a:spcPts val="0"/>
@@ -5450,254 +6945,159 @@
               <a:buAutoNum type="arabicPeriod"/>
             </a:pPr>
             <a:r>
-              <a:rPr lang="en-US" sz="3200" kern="100" dirty="0">
+              <a:rPr lang="en-US" sz="3600" kern="100" dirty="0">
                 <a:solidFill>
                   <a:srgbClr val="CF3338"/>
                 </a:solidFill>
+                <a:effectLst/>
                 <a:latin typeface="Pragmatica" panose="020B0403040502020204"/>
                 <a:ea typeface="Aptos" panose="020B0004020202020204" pitchFamily="34" charset="0"/>
                 <a:cs typeface="Times New Roman" panose="02020603050405020304" pitchFamily="18" charset="0"/>
               </a:rPr>
-              <a:t>Create a monthly email/post to Teams based on data in a workbook</a:t>
-            </a:r>
-            <a:endParaRPr lang="en-US" sz="3200" kern="100" dirty="0">
-              <a:solidFill>
-                <a:srgbClr val="CF3338"/>
-              </a:solidFill>
-              <a:effectLst/>
-              <a:latin typeface="Pragmatica" panose="020B0403040502020204"/>
-              <a:ea typeface="Aptos" panose="020B0004020202020204" pitchFamily="34" charset="0"/>
-              <a:cs typeface="Times New Roman" panose="02020603050405020304" pitchFamily="18" charset="0"/>
-            </a:endParaRPr>
-          </a:p>
-          <a:p>
-            <a:pPr marL="142875">
+              <a:t>Getting data Copilot-friendly</a:t>
+            </a:r>
+          </a:p>
+          <a:p>
+            <a:pPr marL="342900" marR="0" lvl="0" indent="-342900">
               <a:lnSpc>
-                <a:spcPct val="115000"/>
+                <a:spcPct val="150000"/>
               </a:lnSpc>
               <a:spcBef>
-                <a:spcPts val="1125"/>
+                <a:spcPts val="0"/>
               </a:spcBef>
-              <a:buClr>
-                <a:srgbClr val="C00000"/>
-              </a:buClr>
-              <a:buSzPts val="2100"/>
+              <a:spcAft>
+                <a:spcPts val="0"/>
+              </a:spcAft>
+              <a:buFont typeface="+mj-lt"/>
+              <a:buAutoNum type="arabicPeriod"/>
             </a:pPr>
             <a:r>
-              <a:rPr lang="en-US" sz="3600" dirty="0">
+              <a:rPr lang="en-US" sz="3600" kern="100" dirty="0">
                 <a:solidFill>
-                  <a:srgbClr val="C00000"/>
+                  <a:srgbClr val="CF3338"/>
                 </a:solidFill>
+                <a:effectLst/>
                 <a:latin typeface="Pragmatica" panose="020B0403040502020204"/>
-                <a:sym typeface="Consolas"/>
+                <a:ea typeface="Aptos" panose="020B0004020202020204" pitchFamily="34" charset="0"/>
+                <a:cs typeface="Times New Roman" panose="02020603050405020304" pitchFamily="18" charset="0"/>
               </a:rPr>
-              <a:t>File: </a:t>
-            </a:r>
-            <a:r>
-              <a:rPr lang="en-US" sz="3600" dirty="0">
-                <a:solidFill>
-                  <a:srgbClr val="C00000"/>
-                </a:solidFill>
-                <a:latin typeface="Consolas" panose="020B0609020204030204" pitchFamily="49" charset="0"/>
-                <a:sym typeface="Consolas"/>
-              </a:rPr>
-              <a:t>power-automate-copilot.xlsx</a:t>
-            </a:r>
-          </a:p>
-          <a:p>
-            <a:pPr marL="142875">
+              <a:t>Formatting data as a Table</a:t>
+            </a:r>
+          </a:p>
+          <a:p>
+            <a:pPr marL="342900" marR="0" lvl="0" indent="-342900">
               <a:lnSpc>
-                <a:spcPct val="115000"/>
+                <a:spcPct val="150000"/>
               </a:lnSpc>
               <a:spcBef>
-                <a:spcPts val="1125"/>
+                <a:spcPts val="0"/>
               </a:spcBef>
-              <a:buClr>
-                <a:srgbClr val="C00000"/>
-              </a:buClr>
-              <a:buSzPts val="2100"/>
+              <a:spcAft>
+                <a:spcPts val="0"/>
+              </a:spcAft>
+              <a:buFont typeface="+mj-lt"/>
+              <a:buAutoNum type="arabicPeriod"/>
             </a:pPr>
             <a:r>
-              <a:rPr lang="en-US" sz="3600" dirty="0">
+              <a:rPr lang="en-US" sz="3600" kern="100" dirty="0">
                 <a:solidFill>
-                  <a:srgbClr val="C00000"/>
+                  <a:srgbClr val="CF3338"/>
                 </a:solidFill>
+                <a:effectLst/>
                 <a:latin typeface="Pragmatica" panose="020B0403040502020204"/>
-                <a:sym typeface="Consolas"/>
+                <a:ea typeface="Aptos" panose="020B0004020202020204" pitchFamily="34" charset="0"/>
+                <a:cs typeface="Times New Roman" panose="02020603050405020304" pitchFamily="18" charset="0"/>
               </a:rPr>
-              <a:t>Resource: https://stringfestanalytics.com/power-automate-for-excel-how-to-build-flows-with-copilot/</a:t>
-            </a:r>
-            <a:endParaRPr lang="en-US" sz="6000" dirty="0">
-              <a:solidFill>
-                <a:srgbClr val="CF3338"/>
-              </a:solidFill>
-              <a:latin typeface="Pragmatica" panose="020B0403040502020204"/>
-            </a:endParaRPr>
+              <a:t>Creating calculated columns</a:t>
+            </a:r>
+          </a:p>
+          <a:p>
+            <a:pPr marL="342900" marR="0" lvl="0" indent="-342900">
+              <a:lnSpc>
+                <a:spcPct val="150000"/>
+              </a:lnSpc>
+              <a:spcBef>
+                <a:spcPts val="0"/>
+              </a:spcBef>
+              <a:spcAft>
+                <a:spcPts val="0"/>
+              </a:spcAft>
+              <a:buFont typeface="+mj-lt"/>
+              <a:buAutoNum type="arabicPeriod"/>
+            </a:pPr>
+            <a:r>
+              <a:rPr lang="en-US" sz="3600" kern="100" dirty="0">
+                <a:solidFill>
+                  <a:srgbClr val="CF3338"/>
+                </a:solidFill>
+                <a:effectLst/>
+                <a:latin typeface="Pragmatica" panose="020B0403040502020204"/>
+                <a:ea typeface="Aptos" panose="020B0004020202020204" pitchFamily="34" charset="0"/>
+                <a:cs typeface="Times New Roman" panose="02020603050405020304" pitchFamily="18" charset="0"/>
+              </a:rPr>
+              <a:t>Building summary charts</a:t>
+            </a:r>
+          </a:p>
+          <a:p>
+            <a:pPr marL="342900" marR="0" lvl="0" indent="-342900">
+              <a:lnSpc>
+                <a:spcPct val="150000"/>
+              </a:lnSpc>
+              <a:spcBef>
+                <a:spcPts val="0"/>
+              </a:spcBef>
+              <a:spcAft>
+                <a:spcPts val="0"/>
+              </a:spcAft>
+              <a:buFont typeface="+mj-lt"/>
+              <a:buAutoNum type="arabicPeriod"/>
+            </a:pPr>
+            <a:r>
+              <a:rPr lang="en-US" sz="3600" kern="100" dirty="0">
+                <a:solidFill>
+                  <a:srgbClr val="CF3338"/>
+                </a:solidFill>
+                <a:effectLst/>
+                <a:latin typeface="Pragmatica" panose="020B0403040502020204"/>
+                <a:ea typeface="Aptos" panose="020B0004020202020204" pitchFamily="34" charset="0"/>
+                <a:cs typeface="Times New Roman" panose="02020603050405020304" pitchFamily="18" charset="0"/>
+              </a:rPr>
+              <a:t>Using PivotTables</a:t>
+            </a:r>
+          </a:p>
+          <a:p>
+            <a:pPr marL="342900" marR="0" lvl="0" indent="-342900">
+              <a:lnSpc>
+                <a:spcPct val="150000"/>
+              </a:lnSpc>
+              <a:spcBef>
+                <a:spcPts val="0"/>
+              </a:spcBef>
+              <a:spcAft>
+                <a:spcPts val="0"/>
+              </a:spcAft>
+              <a:buFont typeface="+mj-lt"/>
+              <a:buAutoNum type="arabicPeriod"/>
+            </a:pPr>
+            <a:r>
+              <a:rPr lang="en-US" sz="3600" kern="100" dirty="0">
+                <a:solidFill>
+                  <a:srgbClr val="CF3338"/>
+                </a:solidFill>
+                <a:effectLst/>
+                <a:latin typeface="Pragmatica" panose="020B0403040502020204"/>
+                <a:ea typeface="Aptos" panose="020B0004020202020204" pitchFamily="34" charset="0"/>
+                <a:cs typeface="Times New Roman" panose="02020603050405020304" pitchFamily="18" charset="0"/>
+              </a:rPr>
+              <a:t>Exploring advanced analysis with Python in Excel</a:t>
+            </a:r>
           </a:p>
         </p:txBody>
       </p:sp>
     </p:spTree>
     <p:extLst>
       <p:ext uri="{BB962C8B-B14F-4D97-AF65-F5344CB8AC3E}">
-        <p14:creationId xmlns:p14="http://schemas.microsoft.com/office/powerpoint/2010/main" val="445953425"/>
-      </p:ext>
-    </p:extLst>
-  </p:cSld>
-  <p:clrMapOvr>
-    <a:masterClrMapping/>
-  </p:clrMapOvr>
-</p:sld>
-</file>
-
-<file path=ppt/slides/slide8.xml><?xml version="1.0" encoding="utf-8"?>
-<p:sld xmlns:a="http://schemas.openxmlformats.org/drawingml/2006/main" xmlns:r="http://schemas.openxmlformats.org/officeDocument/2006/relationships" xmlns:p="http://schemas.openxmlformats.org/presentationml/2006/main">
-  <p:cSld>
-    <p:spTree>
-      <p:nvGrpSpPr>
-        <p:cNvPr id="1" name=""/>
-        <p:cNvGrpSpPr/>
-        <p:nvPr/>
-      </p:nvGrpSpPr>
-      <p:grpSpPr>
-        <a:xfrm>
-          <a:off x="0" y="0"/>
-          <a:ext cx="0" cy="0"/>
-          <a:chOff x="0" y="0"/>
-          <a:chExt cx="0" cy="0"/>
-        </a:xfrm>
-      </p:grpSpPr>
-      <p:pic>
-        <p:nvPicPr>
-          <p:cNvPr id="10" name="Picture 9"/>
-          <p:cNvPicPr>
-            <a:picLocks noChangeAspect="1"/>
-          </p:cNvPicPr>
-          <p:nvPr/>
-        </p:nvPicPr>
-        <p:blipFill rotWithShape="1">
-          <a:blip r:embed="rId2">
-            <a:extLst>
-              <a:ext uri="{28A0092B-C50C-407E-A947-70E740481C1C}">
-                <a14:useLocalDpi xmlns:a14="http://schemas.microsoft.com/office/drawing/2010/main" val="0"/>
-              </a:ext>
-            </a:extLst>
-          </a:blip>
-          <a:srcRect l="50728" t="56371"/>
-          <a:stretch/>
-        </p:blipFill>
-        <p:spPr>
-          <a:xfrm>
-            <a:off x="12204691" y="3316148"/>
-            <a:ext cx="6083309" cy="6970854"/>
-          </a:xfrm>
-          <a:prstGeom prst="rect">
-            <a:avLst/>
-          </a:prstGeom>
-        </p:spPr>
-      </p:pic>
-      <p:pic>
-        <p:nvPicPr>
-          <p:cNvPr id="4" name="Picture 3"/>
-          <p:cNvPicPr>
-            <a:picLocks noChangeAspect="1"/>
-          </p:cNvPicPr>
-          <p:nvPr/>
-        </p:nvPicPr>
-        <p:blipFill>
-          <a:blip r:embed="rId3">
-            <a:extLst>
-              <a:ext uri="{28A0092B-C50C-407E-A947-70E740481C1C}">
-                <a14:useLocalDpi xmlns:a14="http://schemas.microsoft.com/office/drawing/2010/main" val="0"/>
-              </a:ext>
-            </a:extLst>
-          </a:blip>
-          <a:stretch>
-            <a:fillRect/>
-          </a:stretch>
-        </p:blipFill>
-        <p:spPr>
-          <a:xfrm>
-            <a:off x="-807744" y="-3724155"/>
-            <a:ext cx="15257208" cy="11189825"/>
-          </a:xfrm>
-          <a:prstGeom prst="rect">
-            <a:avLst/>
-          </a:prstGeom>
-        </p:spPr>
-      </p:pic>
-      <p:sp>
-        <p:nvSpPr>
-          <p:cNvPr id="11" name="TextBox 10"/>
-          <p:cNvSpPr txBox="1"/>
-          <p:nvPr/>
-        </p:nvSpPr>
-        <p:spPr>
-          <a:xfrm>
-            <a:off x="486137" y="2531318"/>
-            <a:ext cx="11979797" cy="923330"/>
-          </a:xfrm>
-          <a:prstGeom prst="rect">
-            <a:avLst/>
-          </a:prstGeom>
-          <a:noFill/>
-        </p:spPr>
-        <p:txBody>
-          <a:bodyPr wrap="square" rtlCol="0">
-            <a:spAutoFit/>
-          </a:bodyPr>
-          <a:lstStyle/>
-          <a:p>
-            <a:r>
-              <a:rPr lang="en-US" sz="5400" b="1" dirty="0">
-                <a:solidFill>
-                  <a:srgbClr val="CF3338"/>
-                </a:solidFill>
-                <a:latin typeface="Pragmatica" panose="020B0403040502020204" pitchFamily="34" charset="0"/>
-              </a:rPr>
-              <a:t>Questions?</a:t>
-            </a:r>
-          </a:p>
-        </p:txBody>
-      </p:sp>
-      <p:pic>
-        <p:nvPicPr>
-          <p:cNvPr id="5" name="Picture 4">
-            <a:extLst>
-              <a:ext uri="{FF2B5EF4-FFF2-40B4-BE49-F238E27FC236}">
-                <a16:creationId xmlns:a16="http://schemas.microsoft.com/office/drawing/2014/main" id="{54A06221-5316-4BCF-9FDA-BDB95FF4A778}"/>
-              </a:ext>
-            </a:extLst>
-          </p:cNvPr>
-          <p:cNvPicPr>
-            <a:picLocks noChangeAspect="1"/>
-          </p:cNvPicPr>
-          <p:nvPr/>
-        </p:nvPicPr>
-        <p:blipFill>
-          <a:blip r:embed="rId4">
-            <a:extLst>
-              <a:ext uri="{28A0092B-C50C-407E-A947-70E740481C1C}">
-                <a14:useLocalDpi xmlns:a14="http://schemas.microsoft.com/office/drawing/2010/main" val="0"/>
-              </a:ext>
-            </a:extLst>
-          </a:blip>
-          <a:srcRect/>
-          <a:stretch/>
-        </p:blipFill>
-        <p:spPr>
-          <a:xfrm>
-            <a:off x="12204691" y="3317239"/>
-            <a:ext cx="6083309" cy="6968672"/>
-          </a:xfrm>
-          <a:prstGeom prst="rect">
-            <a:avLst/>
-          </a:prstGeom>
-        </p:spPr>
-      </p:pic>
-    </p:spTree>
-    <p:extLst>
-      <p:ext uri="{BB962C8B-B14F-4D97-AF65-F5344CB8AC3E}">
-        <p14:creationId xmlns:p14="http://schemas.microsoft.com/office/powerpoint/2010/main" val="1689860732"/>
+        <p14:creationId xmlns:p14="http://schemas.microsoft.com/office/powerpoint/2010/main" val="102599544"/>
       </p:ext>
     </p:extLst>
   </p:cSld>
@@ -5715,7 +7115,7 @@
         <p:cNvPr id="1" name="">
           <a:extLst>
             <a:ext uri="{FF2B5EF4-FFF2-40B4-BE49-F238E27FC236}">
-              <a16:creationId xmlns:a16="http://schemas.microsoft.com/office/drawing/2014/main" id="{E85323C9-D5F7-C820-78B9-E169BDF2311C}"/>
+              <a16:creationId xmlns:a16="http://schemas.microsoft.com/office/drawing/2014/main" id="{BE70D83A-7C26-4262-8015-AACC0229E5DD}"/>
             </a:ext>
           </a:extLst>
         </p:cNvPr>
@@ -5735,7 +7135,7 @@
           <p:cNvPr id="4" name="Rectangle 3">
             <a:extLst>
               <a:ext uri="{FF2B5EF4-FFF2-40B4-BE49-F238E27FC236}">
-                <a16:creationId xmlns:a16="http://schemas.microsoft.com/office/drawing/2014/main" id="{28971779-1F50-1702-DEC1-87CD482189F0}"/>
+                <a16:creationId xmlns:a16="http://schemas.microsoft.com/office/drawing/2014/main" id="{45423CF5-98B9-D39E-5BE5-29763005CF0E}"/>
               </a:ext>
             </a:extLst>
           </p:cNvPr>
@@ -5751,7 +7151,9 @@
             <a:avLst/>
           </a:prstGeom>
           <a:solidFill>
-            <a:srgbClr val="CF3338"/>
+            <a:schemeClr val="bg1">
+              <a:lumMod val="50000"/>
+            </a:schemeClr>
           </a:solidFill>
           <a:ln>
             <a:noFill/>
@@ -5787,7 +7189,7 @@
           <p:cNvPr id="5" name="TextBox 4">
             <a:extLst>
               <a:ext uri="{FF2B5EF4-FFF2-40B4-BE49-F238E27FC236}">
-                <a16:creationId xmlns:a16="http://schemas.microsoft.com/office/drawing/2014/main" id="{5ECC4C7B-C529-5329-03AC-796804551DC1}"/>
+                <a16:creationId xmlns:a16="http://schemas.microsoft.com/office/drawing/2014/main" id="{BFDB07B4-B2B4-A403-097A-58C6DCAECB1D}"/>
               </a:ext>
             </a:extLst>
           </p:cNvPr>
@@ -5817,7 +7219,7 @@
                 </a:solidFill>
                 <a:latin typeface="Normafixed Tryout" panose="00000409000000000000" pitchFamily="49" charset="0"/>
               </a:rPr>
-              <a:t>Thank you</a:t>
+              <a:t>Key takeaways for today</a:t>
             </a:r>
           </a:p>
         </p:txBody>
@@ -5825,7 +7227,7 @@
     </p:spTree>
     <p:extLst>
       <p:ext uri="{BB962C8B-B14F-4D97-AF65-F5344CB8AC3E}">
-        <p14:creationId xmlns:p14="http://schemas.microsoft.com/office/powerpoint/2010/main" val="657829062"/>
+        <p14:creationId xmlns:p14="http://schemas.microsoft.com/office/powerpoint/2010/main" val="1981709974"/>
       </p:ext>
     </p:extLst>
   </p:cSld>
